--- a/ProjectTasks/web验收.pptx
+++ b/ProjectTasks/web验收.pptx
@@ -15,11 +15,14 @@
     <p:sldId id="273" r:id="rId9"/>
     <p:sldId id="261" r:id="rId10"/>
     <p:sldId id="275" r:id="rId11"/>
-    <p:sldId id="276" r:id="rId12"/>
-    <p:sldId id="278" r:id="rId13"/>
-    <p:sldId id="277" r:id="rId14"/>
-    <p:sldId id="279" r:id="rId15"/>
-    <p:sldId id="268" r:id="rId16"/>
+    <p:sldId id="280" r:id="rId12"/>
+    <p:sldId id="281" r:id="rId13"/>
+    <p:sldId id="276" r:id="rId14"/>
+    <p:sldId id="278" r:id="rId15"/>
+    <p:sldId id="282" r:id="rId16"/>
+    <p:sldId id="277" r:id="rId17"/>
+    <p:sldId id="279" r:id="rId18"/>
+    <p:sldId id="268" r:id="rId19"/>
   </p:sldIdLst>
   <p:sldSz cx="12192000" cy="6858000"/>
   <p:notesSz cx="6858000" cy="9144000"/>
@@ -273,7 +276,7 @@
           <a:p>
             <a:fld id="{D46F3B25-F9AC-4CA9-B7F4-FDD61862F3BD}" type="datetimeFigureOut">
               <a:rPr lang="zh-CN" altLang="en-US" smtClean="0"/>
-              <a:t>2021/6/6</a:t>
+              <a:t>2021/6/7</a:t>
             </a:fld>
             <a:endParaRPr lang="zh-CN" altLang="en-US"/>
           </a:p>
@@ -343,6 +346,18 @@
   <p:clrMapOvr>
     <a:masterClrMapping/>
   </p:clrMapOvr>
+  <mc:AlternateContent xmlns:mc="http://schemas.openxmlformats.org/markup-compatibility/2006">
+    <mc:Choice xmlns:p159="http://schemas.microsoft.com/office/powerpoint/2015/09/main" Requires="p159">
+      <p:transition spd="slow">
+        <p159:morph option="byObject"/>
+      </p:transition>
+    </mc:Choice>
+    <mc:Fallback>
+      <p:transition spd="slow">
+        <p:fade/>
+      </p:transition>
+    </mc:Fallback>
+  </mc:AlternateContent>
 </p:sldLayout>
 </file>
 
@@ -471,7 +486,7 @@
           <a:p>
             <a:fld id="{D46F3B25-F9AC-4CA9-B7F4-FDD61862F3BD}" type="datetimeFigureOut">
               <a:rPr lang="zh-CN" altLang="en-US" smtClean="0"/>
-              <a:t>2021/6/6</a:t>
+              <a:t>2021/6/7</a:t>
             </a:fld>
             <a:endParaRPr lang="zh-CN" altLang="en-US"/>
           </a:p>
@@ -541,6 +556,18 @@
   <p:clrMapOvr>
     <a:masterClrMapping/>
   </p:clrMapOvr>
+  <mc:AlternateContent xmlns:mc="http://schemas.openxmlformats.org/markup-compatibility/2006">
+    <mc:Choice xmlns:p159="http://schemas.microsoft.com/office/powerpoint/2015/09/main" Requires="p159">
+      <p:transition spd="slow">
+        <p159:morph option="byObject"/>
+      </p:transition>
+    </mc:Choice>
+    <mc:Fallback>
+      <p:transition spd="slow">
+        <p:fade/>
+      </p:transition>
+    </mc:Fallback>
+  </mc:AlternateContent>
 </p:sldLayout>
 </file>
 
@@ -679,7 +706,7 @@
           <a:p>
             <a:fld id="{D46F3B25-F9AC-4CA9-B7F4-FDD61862F3BD}" type="datetimeFigureOut">
               <a:rPr lang="zh-CN" altLang="en-US" smtClean="0"/>
-              <a:t>2021/6/6</a:t>
+              <a:t>2021/6/7</a:t>
             </a:fld>
             <a:endParaRPr lang="zh-CN" altLang="en-US"/>
           </a:p>
@@ -749,6 +776,18 @@
   <p:clrMapOvr>
     <a:masterClrMapping/>
   </p:clrMapOvr>
+  <mc:AlternateContent xmlns:mc="http://schemas.openxmlformats.org/markup-compatibility/2006">
+    <mc:Choice xmlns:p159="http://schemas.microsoft.com/office/powerpoint/2015/09/main" Requires="p159">
+      <p:transition spd="slow">
+        <p159:morph option="byObject"/>
+      </p:transition>
+    </mc:Choice>
+    <mc:Fallback>
+      <p:transition spd="slow">
+        <p:fade/>
+      </p:transition>
+    </mc:Fallback>
+  </mc:AlternateContent>
 </p:sldLayout>
 </file>
 
@@ -1218,7 +1257,7 @@
           <a:p>
             <a:fld id="{D46F3B25-F9AC-4CA9-B7F4-FDD61862F3BD}" type="datetimeFigureOut">
               <a:rPr lang="zh-CN" altLang="en-US" smtClean="0"/>
-              <a:t>2021/6/6</a:t>
+              <a:t>2021/6/7</a:t>
             </a:fld>
             <a:endParaRPr lang="zh-CN" altLang="en-US"/>
           </a:p>
@@ -1402,6 +1441,18 @@
   <p:clrMapOvr>
     <a:masterClrMapping/>
   </p:clrMapOvr>
+  <mc:AlternateContent xmlns:mc="http://schemas.openxmlformats.org/markup-compatibility/2006">
+    <mc:Choice xmlns:p159="http://schemas.microsoft.com/office/powerpoint/2015/09/main" Requires="p159">
+      <p:transition spd="slow">
+        <p159:morph option="byObject"/>
+      </p:transition>
+    </mc:Choice>
+    <mc:Fallback>
+      <p:transition spd="slow">
+        <p:fade/>
+      </p:transition>
+    </mc:Fallback>
+  </mc:AlternateContent>
 </p:sldLayout>
 </file>
 
@@ -1607,7 +1658,7 @@
           <a:p>
             <a:fld id="{D46F3B25-F9AC-4CA9-B7F4-FDD61862F3BD}" type="datetimeFigureOut">
               <a:rPr lang="zh-CN" altLang="en-US" smtClean="0"/>
-              <a:t>2021/6/6</a:t>
+              <a:t>2021/6/7</a:t>
             </a:fld>
             <a:endParaRPr lang="zh-CN" altLang="en-US"/>
           </a:p>
@@ -1677,6 +1728,18 @@
   <p:clrMapOvr>
     <a:masterClrMapping/>
   </p:clrMapOvr>
+  <mc:AlternateContent xmlns:mc="http://schemas.openxmlformats.org/markup-compatibility/2006">
+    <mc:Choice xmlns:p159="http://schemas.microsoft.com/office/powerpoint/2015/09/main" Requires="p159">
+      <p:transition spd="slow">
+        <p159:morph option="byObject"/>
+      </p:transition>
+    </mc:Choice>
+    <mc:Fallback>
+      <p:transition spd="slow">
+        <p:fade/>
+      </p:transition>
+    </mc:Fallback>
+  </mc:AlternateContent>
 </p:sldLayout>
 </file>
 
@@ -1872,7 +1935,7 @@
           <a:p>
             <a:fld id="{D46F3B25-F9AC-4CA9-B7F4-FDD61862F3BD}" type="datetimeFigureOut">
               <a:rPr lang="zh-CN" altLang="en-US" smtClean="0"/>
-              <a:t>2021/6/6</a:t>
+              <a:t>2021/6/7</a:t>
             </a:fld>
             <a:endParaRPr lang="zh-CN" altLang="en-US"/>
           </a:p>
@@ -1942,6 +2005,18 @@
   <p:clrMapOvr>
     <a:masterClrMapping/>
   </p:clrMapOvr>
+  <mc:AlternateContent xmlns:mc="http://schemas.openxmlformats.org/markup-compatibility/2006">
+    <mc:Choice xmlns:p159="http://schemas.microsoft.com/office/powerpoint/2015/09/main" Requires="p159">
+      <p:transition spd="slow">
+        <p159:morph option="byObject"/>
+      </p:transition>
+    </mc:Choice>
+    <mc:Fallback>
+      <p:transition spd="slow">
+        <p:fade/>
+      </p:transition>
+    </mc:Fallback>
+  </mc:AlternateContent>
 </p:sldLayout>
 </file>
 
@@ -2284,7 +2359,7 @@
           <a:p>
             <a:fld id="{D46F3B25-F9AC-4CA9-B7F4-FDD61862F3BD}" type="datetimeFigureOut">
               <a:rPr lang="zh-CN" altLang="en-US" smtClean="0"/>
-              <a:t>2021/6/6</a:t>
+              <a:t>2021/6/7</a:t>
             </a:fld>
             <a:endParaRPr lang="zh-CN" altLang="en-US"/>
           </a:p>
@@ -2354,6 +2429,18 @@
   <p:clrMapOvr>
     <a:masterClrMapping/>
   </p:clrMapOvr>
+  <mc:AlternateContent xmlns:mc="http://schemas.openxmlformats.org/markup-compatibility/2006">
+    <mc:Choice xmlns:p159="http://schemas.microsoft.com/office/powerpoint/2015/09/main" Requires="p159">
+      <p:transition spd="slow">
+        <p159:morph option="byObject"/>
+      </p:transition>
+    </mc:Choice>
+    <mc:Fallback>
+      <p:transition spd="slow">
+        <p:fade/>
+      </p:transition>
+    </mc:Fallback>
+  </mc:AlternateContent>
 </p:sldLayout>
 </file>
 
@@ -2425,7 +2512,7 @@
           <a:p>
             <a:fld id="{D46F3B25-F9AC-4CA9-B7F4-FDD61862F3BD}" type="datetimeFigureOut">
               <a:rPr lang="zh-CN" altLang="en-US" smtClean="0"/>
-              <a:t>2021/6/6</a:t>
+              <a:t>2021/6/7</a:t>
             </a:fld>
             <a:endParaRPr lang="zh-CN" altLang="en-US"/>
           </a:p>
@@ -2495,6 +2582,18 @@
   <p:clrMapOvr>
     <a:masterClrMapping/>
   </p:clrMapOvr>
+  <mc:AlternateContent xmlns:mc="http://schemas.openxmlformats.org/markup-compatibility/2006">
+    <mc:Choice xmlns:p159="http://schemas.microsoft.com/office/powerpoint/2015/09/main" Requires="p159">
+      <p:transition spd="slow">
+        <p159:morph option="byObject"/>
+      </p:transition>
+    </mc:Choice>
+    <mc:Fallback>
+      <p:transition spd="slow">
+        <p:fade/>
+      </p:transition>
+    </mc:Fallback>
+  </mc:AlternateContent>
 </p:sldLayout>
 </file>
 
@@ -2538,7 +2637,7 @@
           <a:p>
             <a:fld id="{D46F3B25-F9AC-4CA9-B7F4-FDD61862F3BD}" type="datetimeFigureOut">
               <a:rPr lang="zh-CN" altLang="en-US" smtClean="0"/>
-              <a:t>2021/6/6</a:t>
+              <a:t>2021/6/7</a:t>
             </a:fld>
             <a:endParaRPr lang="zh-CN" altLang="en-US"/>
           </a:p>
@@ -2608,6 +2707,18 @@
   <p:clrMapOvr>
     <a:masterClrMapping/>
   </p:clrMapOvr>
+  <mc:AlternateContent xmlns:mc="http://schemas.openxmlformats.org/markup-compatibility/2006">
+    <mc:Choice xmlns:p159="http://schemas.microsoft.com/office/powerpoint/2015/09/main" Requires="p159">
+      <p:transition spd="slow">
+        <p159:morph option="byObject"/>
+      </p:transition>
+    </mc:Choice>
+    <mc:Fallback>
+      <p:transition spd="slow">
+        <p:fade/>
+      </p:transition>
+    </mc:Fallback>
+  </mc:AlternateContent>
 </p:sldLayout>
 </file>
 
@@ -2849,7 +2960,7 @@
           <a:p>
             <a:fld id="{D46F3B25-F9AC-4CA9-B7F4-FDD61862F3BD}" type="datetimeFigureOut">
               <a:rPr lang="zh-CN" altLang="en-US" smtClean="0"/>
-              <a:t>2021/6/6</a:t>
+              <a:t>2021/6/7</a:t>
             </a:fld>
             <a:endParaRPr lang="zh-CN" altLang="en-US"/>
           </a:p>
@@ -2919,6 +3030,18 @@
   <p:clrMapOvr>
     <a:masterClrMapping/>
   </p:clrMapOvr>
+  <mc:AlternateContent xmlns:mc="http://schemas.openxmlformats.org/markup-compatibility/2006">
+    <mc:Choice xmlns:p159="http://schemas.microsoft.com/office/powerpoint/2015/09/main" Requires="p159">
+      <p:transition spd="slow">
+        <p159:morph option="byObject"/>
+      </p:transition>
+    </mc:Choice>
+    <mc:Fallback>
+      <p:transition spd="slow">
+        <p:fade/>
+      </p:transition>
+    </mc:Fallback>
+  </mc:AlternateContent>
 </p:sldLayout>
 </file>
 
@@ -3137,7 +3260,7 @@
           <a:p>
             <a:fld id="{D46F3B25-F9AC-4CA9-B7F4-FDD61862F3BD}" type="datetimeFigureOut">
               <a:rPr lang="zh-CN" altLang="en-US" smtClean="0"/>
-              <a:t>2021/6/6</a:t>
+              <a:t>2021/6/7</a:t>
             </a:fld>
             <a:endParaRPr lang="zh-CN" altLang="en-US"/>
           </a:p>
@@ -3207,6 +3330,18 @@
   <p:clrMapOvr>
     <a:masterClrMapping/>
   </p:clrMapOvr>
+  <mc:AlternateContent xmlns:mc="http://schemas.openxmlformats.org/markup-compatibility/2006">
+    <mc:Choice xmlns:p159="http://schemas.microsoft.com/office/powerpoint/2015/09/main" Requires="p159">
+      <p:transition spd="slow">
+        <p159:morph option="byObject"/>
+      </p:transition>
+    </mc:Choice>
+    <mc:Fallback>
+      <p:transition spd="slow">
+        <p:fade/>
+      </p:transition>
+    </mc:Fallback>
+  </mc:AlternateContent>
 </p:sldLayout>
 </file>
 
@@ -3378,7 +3513,7 @@
           <a:p>
             <a:fld id="{D46F3B25-F9AC-4CA9-B7F4-FDD61862F3BD}" type="datetimeFigureOut">
               <a:rPr lang="zh-CN" altLang="en-US" smtClean="0"/>
-              <a:t>2021/6/6</a:t>
+              <a:t>2021/6/7</a:t>
             </a:fld>
             <a:endParaRPr lang="zh-CN" altLang="en-US"/>
           </a:p>
@@ -3495,6 +3630,18 @@
     <p:sldLayoutId id="2147483658" r:id="rId10"/>
     <p:sldLayoutId id="2147483659" r:id="rId11"/>
   </p:sldLayoutIdLst>
+  <mc:AlternateContent xmlns:mc="http://schemas.openxmlformats.org/markup-compatibility/2006">
+    <mc:Choice xmlns:p159="http://schemas.microsoft.com/office/powerpoint/2015/09/main" Requires="p159">
+      <p:transition spd="slow">
+        <p159:morph option="byObject"/>
+      </p:transition>
+    </mc:Choice>
+    <mc:Fallback>
+      <p:transition spd="slow">
+        <p:fade/>
+      </p:transition>
+    </mc:Fallback>
+  </mc:AlternateContent>
   <p:txStyles>
     <p:titleStyle>
       <a:lvl1pPr algn="l" defTabSz="914400" rtl="0" eaLnBrk="1" latinLnBrk="0" hangingPunct="1">
@@ -5102,6 +5249,18 @@
   <p:clrMapOvr>
     <a:masterClrMapping/>
   </p:clrMapOvr>
+  <mc:AlternateContent xmlns:mc="http://schemas.openxmlformats.org/markup-compatibility/2006">
+    <mc:Choice xmlns:p159="http://schemas.microsoft.com/office/powerpoint/2015/09/main" Requires="p159">
+      <p:transition spd="slow">
+        <p159:morph option="byObject"/>
+      </p:transition>
+    </mc:Choice>
+    <mc:Fallback>
+      <p:transition spd="slow">
+        <p:fade/>
+      </p:transition>
+    </mc:Fallback>
+  </mc:AlternateContent>
 </p:sld>
 </file>
 
@@ -5204,6 +5363,18 @@
   <p:clrMapOvr>
     <a:masterClrMapping/>
   </p:clrMapOvr>
+  <mc:AlternateContent xmlns:mc="http://schemas.openxmlformats.org/markup-compatibility/2006">
+    <mc:Choice xmlns:p159="http://schemas.microsoft.com/office/powerpoint/2015/09/main" Requires="p159">
+      <p:transition spd="slow">
+        <p159:morph option="byObject"/>
+      </p:transition>
+    </mc:Choice>
+    <mc:Fallback>
+      <p:transition spd="slow">
+        <p:fade/>
+      </p:transition>
+    </mc:Fallback>
+  </mc:AlternateContent>
 </p:sld>
 </file>
 
@@ -5229,7 +5400,7 @@
           <p:cNvPr id="2" name="标题 1">
             <a:extLst>
               <a:ext uri="{FF2B5EF4-FFF2-40B4-BE49-F238E27FC236}">
-                <a16:creationId xmlns:a16="http://schemas.microsoft.com/office/drawing/2014/main" id="{CC440291-7E9E-401D-9F26-1292DE1D420D}"/>
+                <a16:creationId xmlns:a16="http://schemas.microsoft.com/office/drawing/2014/main" id="{223473B2-B410-43F4-86B0-45BD8D5A3322}"/>
               </a:ext>
             </a:extLst>
           </p:cNvPr>
@@ -5247,97 +5418,791 @@
           <a:p>
             <a:r>
               <a:rPr lang="zh-CN" altLang="en-US" dirty="0"/>
-              <a:t>应用测试</a:t>
-            </a:r>
-          </a:p>
-        </p:txBody>
-      </p:sp>
-      <p:sp>
-        <p:nvSpPr>
-          <p:cNvPr id="3" name="内容占位符 2">
-            <a:extLst>
-              <a:ext uri="{FF2B5EF4-FFF2-40B4-BE49-F238E27FC236}">
-                <a16:creationId xmlns:a16="http://schemas.microsoft.com/office/drawing/2014/main" id="{16D316DA-E6AA-4C36-AB4A-66E0AE713FA6}"/>
-              </a:ext>
-            </a:extLst>
-          </p:cNvPr>
-          <p:cNvSpPr>
-            <a:spLocks noGrp="1"/>
-          </p:cNvSpPr>
-          <p:nvPr>
-            <p:ph idx="1"/>
-          </p:nvPr>
-        </p:nvSpPr>
-        <p:spPr/>
-        <p:txBody>
-          <a:bodyPr>
-            <a:normAutofit/>
+              <a:t>交互设计 </a:t>
+            </a:r>
+            <a:r>
+              <a:rPr lang="en-US" altLang="zh-CN" dirty="0"/>
+              <a:t>– </a:t>
+            </a:r>
+            <a:r>
+              <a:rPr lang="zh-CN" altLang="en-US" dirty="0"/>
+              <a:t>客户端</a:t>
+            </a:r>
+          </a:p>
+        </p:txBody>
+      </p:sp>
+      <p:pic>
+        <p:nvPicPr>
+          <p:cNvPr id="5" name="图片 4">
+            <a:extLst>
+              <a:ext uri="{FF2B5EF4-FFF2-40B4-BE49-F238E27FC236}">
+                <a16:creationId xmlns:a16="http://schemas.microsoft.com/office/drawing/2014/main" id="{28627249-E4BC-42CE-BE4A-B09281F989FC}"/>
+              </a:ext>
+            </a:extLst>
+          </p:cNvPr>
+          <p:cNvPicPr>
+            <a:picLocks noChangeAspect="1"/>
+          </p:cNvPicPr>
+          <p:nvPr/>
+        </p:nvPicPr>
+        <p:blipFill>
+          <a:blip r:embed="rId2">
+            <a:extLst>
+              <a:ext uri="{28A0092B-C50C-407E-A947-70E740481C1C}">
+                <a14:useLocalDpi xmlns:a14="http://schemas.microsoft.com/office/drawing/2010/main" val="0"/>
+              </a:ext>
+            </a:extLst>
+          </a:blip>
+          <a:stretch>
+            <a:fillRect/>
+          </a:stretch>
+        </p:blipFill>
+        <p:spPr>
+          <a:xfrm>
+            <a:off x="8678575" y="1390818"/>
+            <a:ext cx="1446368" cy="3214152"/>
+          </a:xfrm>
+          <a:prstGeom prst="rect">
+            <a:avLst/>
+          </a:prstGeom>
+        </p:spPr>
+      </p:pic>
+      <p:pic>
+        <p:nvPicPr>
+          <p:cNvPr id="7" name="图片 6">
+            <a:extLst>
+              <a:ext uri="{FF2B5EF4-FFF2-40B4-BE49-F238E27FC236}">
+                <a16:creationId xmlns:a16="http://schemas.microsoft.com/office/drawing/2014/main" id="{084933B7-C45A-438F-81E8-85D5BBC4F01B}"/>
+              </a:ext>
+            </a:extLst>
+          </p:cNvPr>
+          <p:cNvPicPr>
+            <a:picLocks noChangeAspect="1"/>
+          </p:cNvPicPr>
+          <p:nvPr/>
+        </p:nvPicPr>
+        <p:blipFill>
+          <a:blip r:embed="rId3">
+            <a:extLst>
+              <a:ext uri="{28A0092B-C50C-407E-A947-70E740481C1C}">
+                <a14:useLocalDpi xmlns:a14="http://schemas.microsoft.com/office/drawing/2010/main" val="0"/>
+              </a:ext>
+            </a:extLst>
+          </a:blip>
+          <a:stretch>
+            <a:fillRect/>
+          </a:stretch>
+        </p:blipFill>
+        <p:spPr>
+          <a:xfrm>
+            <a:off x="5529132" y="1502601"/>
+            <a:ext cx="1305907" cy="2902015"/>
+          </a:xfrm>
+          <a:prstGeom prst="rect">
+            <a:avLst/>
+          </a:prstGeom>
+        </p:spPr>
+      </p:pic>
+      <p:pic>
+        <p:nvPicPr>
+          <p:cNvPr id="9" name="图片 8">
+            <a:extLst>
+              <a:ext uri="{FF2B5EF4-FFF2-40B4-BE49-F238E27FC236}">
+                <a16:creationId xmlns:a16="http://schemas.microsoft.com/office/drawing/2014/main" id="{7455B9F8-3460-493F-AAD3-2F35481CB51A}"/>
+              </a:ext>
+            </a:extLst>
+          </p:cNvPr>
+          <p:cNvPicPr>
+            <a:picLocks noChangeAspect="1"/>
+          </p:cNvPicPr>
+          <p:nvPr/>
+        </p:nvPicPr>
+        <p:blipFill>
+          <a:blip r:embed="rId4">
+            <a:extLst>
+              <a:ext uri="{28A0092B-C50C-407E-A947-70E740481C1C}">
+                <a14:useLocalDpi xmlns:a14="http://schemas.microsoft.com/office/drawing/2010/main" val="0"/>
+              </a:ext>
+            </a:extLst>
+          </a:blip>
+          <a:stretch>
+            <a:fillRect/>
+          </a:stretch>
+        </p:blipFill>
+        <p:spPr>
+          <a:xfrm>
+            <a:off x="2405490" y="1502602"/>
+            <a:ext cx="1305907" cy="2902015"/>
+          </a:xfrm>
+          <a:prstGeom prst="rect">
+            <a:avLst/>
+          </a:prstGeom>
+        </p:spPr>
+      </p:pic>
+      <p:pic>
+        <p:nvPicPr>
+          <p:cNvPr id="11" name="图片 10">
+            <a:extLst>
+              <a:ext uri="{FF2B5EF4-FFF2-40B4-BE49-F238E27FC236}">
+                <a16:creationId xmlns:a16="http://schemas.microsoft.com/office/drawing/2014/main" id="{542C1A25-A1CD-4544-92B0-70008471AB2E}"/>
+              </a:ext>
+            </a:extLst>
+          </p:cNvPr>
+          <p:cNvPicPr>
+            <a:picLocks noChangeAspect="1"/>
+          </p:cNvPicPr>
+          <p:nvPr/>
+        </p:nvPicPr>
+        <p:blipFill>
+          <a:blip r:embed="rId5">
+            <a:extLst>
+              <a:ext uri="{28A0092B-C50C-407E-A947-70E740481C1C}">
+                <a14:useLocalDpi xmlns:a14="http://schemas.microsoft.com/office/drawing/2010/main" val="0"/>
+              </a:ext>
+            </a:extLst>
+          </a:blip>
+          <a:stretch>
+            <a:fillRect/>
+          </a:stretch>
+        </p:blipFill>
+        <p:spPr>
+          <a:xfrm>
+            <a:off x="787981" y="2083210"/>
+            <a:ext cx="1347667" cy="2994817"/>
+          </a:xfrm>
+          <a:prstGeom prst="rect">
+            <a:avLst/>
+          </a:prstGeom>
+        </p:spPr>
+      </p:pic>
+      <p:pic>
+        <p:nvPicPr>
+          <p:cNvPr id="13" name="图片 12">
+            <a:extLst>
+              <a:ext uri="{FF2B5EF4-FFF2-40B4-BE49-F238E27FC236}">
+                <a16:creationId xmlns:a16="http://schemas.microsoft.com/office/drawing/2014/main" id="{637B8628-08D0-4E75-9009-F9E12B731C61}"/>
+              </a:ext>
+            </a:extLst>
+          </p:cNvPr>
+          <p:cNvPicPr>
+            <a:picLocks noChangeAspect="1"/>
+          </p:cNvPicPr>
+          <p:nvPr/>
+        </p:nvPicPr>
+        <p:blipFill>
+          <a:blip r:embed="rId6">
+            <a:extLst>
+              <a:ext uri="{28A0092B-C50C-407E-A947-70E740481C1C}">
+                <a14:useLocalDpi xmlns:a14="http://schemas.microsoft.com/office/drawing/2010/main" val="0"/>
+              </a:ext>
+            </a:extLst>
+          </a:blip>
+          <a:stretch>
+            <a:fillRect/>
+          </a:stretch>
+        </p:blipFill>
+        <p:spPr>
+          <a:xfrm>
+            <a:off x="10344505" y="3395662"/>
+            <a:ext cx="1333204" cy="2962676"/>
+          </a:xfrm>
+          <a:prstGeom prst="rect">
+            <a:avLst/>
+          </a:prstGeom>
+        </p:spPr>
+      </p:pic>
+      <p:pic>
+        <p:nvPicPr>
+          <p:cNvPr id="15" name="图片 14">
+            <a:extLst>
+              <a:ext uri="{FF2B5EF4-FFF2-40B4-BE49-F238E27FC236}">
+                <a16:creationId xmlns:a16="http://schemas.microsoft.com/office/drawing/2014/main" id="{D73CF7A5-D296-47F1-B0A7-662D96C92A86}"/>
+              </a:ext>
+            </a:extLst>
+          </p:cNvPr>
+          <p:cNvPicPr>
+            <a:picLocks noChangeAspect="1"/>
+          </p:cNvPicPr>
+          <p:nvPr/>
+        </p:nvPicPr>
+        <p:blipFill>
+          <a:blip r:embed="rId7">
+            <a:extLst>
+              <a:ext uri="{28A0092B-C50C-407E-A947-70E740481C1C}">
+                <a14:useLocalDpi xmlns:a14="http://schemas.microsoft.com/office/drawing/2010/main" val="0"/>
+              </a:ext>
+            </a:extLst>
+          </a:blip>
+          <a:stretch>
+            <a:fillRect/>
+          </a:stretch>
+        </p:blipFill>
+        <p:spPr>
+          <a:xfrm>
+            <a:off x="3948703" y="3476462"/>
+            <a:ext cx="1260485" cy="2801078"/>
+          </a:xfrm>
+          <a:prstGeom prst="rect">
+            <a:avLst/>
+          </a:prstGeom>
+        </p:spPr>
+      </p:pic>
+      <p:pic>
+        <p:nvPicPr>
+          <p:cNvPr id="17" name="图片 16">
+            <a:extLst>
+              <a:ext uri="{FF2B5EF4-FFF2-40B4-BE49-F238E27FC236}">
+                <a16:creationId xmlns:a16="http://schemas.microsoft.com/office/drawing/2014/main" id="{AB85A8D7-1E7A-4D96-B965-E7C8A8728736}"/>
+              </a:ext>
+            </a:extLst>
+          </p:cNvPr>
+          <p:cNvPicPr>
+            <a:picLocks noChangeAspect="1"/>
+          </p:cNvPicPr>
+          <p:nvPr/>
+        </p:nvPicPr>
+        <p:blipFill>
+          <a:blip r:embed="rId8">
+            <a:extLst>
+              <a:ext uri="{28A0092B-C50C-407E-A947-70E740481C1C}">
+                <a14:useLocalDpi xmlns:a14="http://schemas.microsoft.com/office/drawing/2010/main" val="0"/>
+              </a:ext>
+            </a:extLst>
+          </a:blip>
+          <a:stretch>
+            <a:fillRect/>
+          </a:stretch>
+        </p:blipFill>
+        <p:spPr>
+          <a:xfrm>
+            <a:off x="7052724" y="3395663"/>
+            <a:ext cx="1333204" cy="2962675"/>
+          </a:xfrm>
+          <a:prstGeom prst="rect">
+            <a:avLst/>
+          </a:prstGeom>
+        </p:spPr>
+      </p:pic>
+      <p:cxnSp>
+        <p:nvCxnSpPr>
+          <p:cNvPr id="19" name="连接符: 曲线 18">
+            <a:extLst>
+              <a:ext uri="{FF2B5EF4-FFF2-40B4-BE49-F238E27FC236}">
+                <a16:creationId xmlns:a16="http://schemas.microsoft.com/office/drawing/2014/main" id="{9304AEE6-0D77-44BD-88B5-F36DCFA788E8}"/>
+              </a:ext>
+            </a:extLst>
+          </p:cNvPr>
+          <p:cNvCxnSpPr>
+            <a:endCxn id="9" idx="1"/>
+          </p:cNvCxnSpPr>
+          <p:nvPr/>
+        </p:nvCxnSpPr>
+        <p:spPr>
+          <a:xfrm>
+            <a:off x="1995586" y="2618913"/>
+            <a:ext cx="409904" cy="334697"/>
+          </a:xfrm>
+          <a:prstGeom prst="curvedConnector3">
+            <a:avLst/>
+          </a:prstGeom>
+          <a:ln>
+            <a:tailEnd type="triangle"/>
+          </a:ln>
+        </p:spPr>
+        <p:style>
+          <a:lnRef idx="1">
+            <a:schemeClr val="accent1"/>
+          </a:lnRef>
+          <a:fillRef idx="0">
+            <a:schemeClr val="accent1"/>
+          </a:fillRef>
+          <a:effectRef idx="0">
+            <a:schemeClr val="accent1"/>
+          </a:effectRef>
+          <a:fontRef idx="minor">
+            <a:schemeClr val="tx1"/>
+          </a:fontRef>
+        </p:style>
+      </p:cxnSp>
+      <p:cxnSp>
+        <p:nvCxnSpPr>
+          <p:cNvPr id="21" name="连接符: 曲线 20">
+            <a:extLst>
+              <a:ext uri="{FF2B5EF4-FFF2-40B4-BE49-F238E27FC236}">
+                <a16:creationId xmlns:a16="http://schemas.microsoft.com/office/drawing/2014/main" id="{F3E39C92-8BEA-48E3-B032-D4C3AAC161D1}"/>
+              </a:ext>
+            </a:extLst>
+          </p:cNvPr>
+          <p:cNvCxnSpPr>
+            <a:endCxn id="7" idx="1"/>
+          </p:cNvCxnSpPr>
+          <p:nvPr/>
+        </p:nvCxnSpPr>
+        <p:spPr>
+          <a:xfrm>
+            <a:off x="3711397" y="1970843"/>
+            <a:ext cx="1817735" cy="982766"/>
+          </a:xfrm>
+          <a:prstGeom prst="curvedConnector3">
+            <a:avLst/>
+          </a:prstGeom>
+          <a:ln>
+            <a:tailEnd type="triangle"/>
+          </a:ln>
+        </p:spPr>
+        <p:style>
+          <a:lnRef idx="1">
+            <a:schemeClr val="accent1"/>
+          </a:lnRef>
+          <a:fillRef idx="0">
+            <a:schemeClr val="accent1"/>
+          </a:fillRef>
+          <a:effectRef idx="0">
+            <a:schemeClr val="accent1"/>
+          </a:effectRef>
+          <a:fontRef idx="minor">
+            <a:schemeClr val="tx1"/>
+          </a:fontRef>
+        </p:style>
+      </p:cxnSp>
+      <p:cxnSp>
+        <p:nvCxnSpPr>
+          <p:cNvPr id="23" name="连接符: 曲线 22">
+            <a:extLst>
+              <a:ext uri="{FF2B5EF4-FFF2-40B4-BE49-F238E27FC236}">
+                <a16:creationId xmlns:a16="http://schemas.microsoft.com/office/drawing/2014/main" id="{04C6BCFB-1040-4FB8-8955-92C5CF04D4F8}"/>
+              </a:ext>
+            </a:extLst>
+          </p:cNvPr>
+          <p:cNvCxnSpPr>
+            <a:endCxn id="15" idx="1"/>
+          </p:cNvCxnSpPr>
+          <p:nvPr/>
+        </p:nvCxnSpPr>
+        <p:spPr>
+          <a:xfrm>
+            <a:off x="787981" y="2334827"/>
+            <a:ext cx="3160722" cy="2542174"/>
+          </a:xfrm>
+          <a:prstGeom prst="curvedConnector3">
+            <a:avLst/>
+          </a:prstGeom>
+          <a:ln>
+            <a:tailEnd type="triangle"/>
+          </a:ln>
+        </p:spPr>
+        <p:style>
+          <a:lnRef idx="1">
+            <a:schemeClr val="accent1"/>
+          </a:lnRef>
+          <a:fillRef idx="0">
+            <a:schemeClr val="accent1"/>
+          </a:fillRef>
+          <a:effectRef idx="0">
+            <a:schemeClr val="accent1"/>
+          </a:effectRef>
+          <a:fontRef idx="minor">
+            <a:schemeClr val="tx1"/>
+          </a:fontRef>
+        </p:style>
+      </p:cxnSp>
+      <p:cxnSp>
+        <p:nvCxnSpPr>
+          <p:cNvPr id="25" name="连接符: 曲线 24">
+            <a:extLst>
+              <a:ext uri="{FF2B5EF4-FFF2-40B4-BE49-F238E27FC236}">
+                <a16:creationId xmlns:a16="http://schemas.microsoft.com/office/drawing/2014/main" id="{60D51CEA-C242-4306-ACC5-AC85CAE87457}"/>
+              </a:ext>
+            </a:extLst>
+          </p:cNvPr>
+          <p:cNvCxnSpPr>
+            <a:cxnSpLocks/>
+            <a:endCxn id="17" idx="1"/>
+          </p:cNvCxnSpPr>
+          <p:nvPr/>
+        </p:nvCxnSpPr>
+        <p:spPr>
+          <a:xfrm>
+            <a:off x="4846891" y="4500979"/>
+            <a:ext cx="2205833" cy="376022"/>
+          </a:xfrm>
+          <a:prstGeom prst="curvedConnector3">
+            <a:avLst/>
+          </a:prstGeom>
+          <a:ln>
+            <a:tailEnd type="triangle"/>
+          </a:ln>
+        </p:spPr>
+        <p:style>
+          <a:lnRef idx="1">
+            <a:schemeClr val="accent1"/>
+          </a:lnRef>
+          <a:fillRef idx="0">
+            <a:schemeClr val="accent1"/>
+          </a:fillRef>
+          <a:effectRef idx="0">
+            <a:schemeClr val="accent1"/>
+          </a:effectRef>
+          <a:fontRef idx="minor">
+            <a:schemeClr val="tx1"/>
+          </a:fontRef>
+        </p:style>
+      </p:cxnSp>
+      <p:cxnSp>
+        <p:nvCxnSpPr>
+          <p:cNvPr id="29" name="连接符: 曲线 28">
+            <a:extLst>
+              <a:ext uri="{FF2B5EF4-FFF2-40B4-BE49-F238E27FC236}">
+                <a16:creationId xmlns:a16="http://schemas.microsoft.com/office/drawing/2014/main" id="{C80C6235-4DB2-41F4-B838-18D4D839EC16}"/>
+              </a:ext>
+            </a:extLst>
+          </p:cNvPr>
+          <p:cNvCxnSpPr>
+            <a:endCxn id="5" idx="1"/>
+          </p:cNvCxnSpPr>
+          <p:nvPr/>
+        </p:nvCxnSpPr>
+        <p:spPr>
+          <a:xfrm>
+            <a:off x="3630967" y="1784412"/>
+            <a:ext cx="5047608" cy="1213482"/>
+          </a:xfrm>
+          <a:prstGeom prst="curvedConnector3">
+            <a:avLst>
+              <a:gd name="adj1" fmla="val 85528"/>
+            </a:avLst>
+          </a:prstGeom>
+          <a:ln>
+            <a:tailEnd type="triangle"/>
+          </a:ln>
+        </p:spPr>
+        <p:style>
+          <a:lnRef idx="1">
+            <a:schemeClr val="accent1"/>
+          </a:lnRef>
+          <a:fillRef idx="0">
+            <a:schemeClr val="accent1"/>
+          </a:fillRef>
+          <a:effectRef idx="0">
+            <a:schemeClr val="accent1"/>
+          </a:effectRef>
+          <a:fontRef idx="minor">
+            <a:schemeClr val="tx1"/>
+          </a:fontRef>
+        </p:style>
+      </p:cxnSp>
+      <p:cxnSp>
+        <p:nvCxnSpPr>
+          <p:cNvPr id="32" name="连接符: 曲线 31">
+            <a:extLst>
+              <a:ext uri="{FF2B5EF4-FFF2-40B4-BE49-F238E27FC236}">
+                <a16:creationId xmlns:a16="http://schemas.microsoft.com/office/drawing/2014/main" id="{C2CBC9F7-4AE8-47B7-9368-7FF103303E96}"/>
+              </a:ext>
+            </a:extLst>
+          </p:cNvPr>
+          <p:cNvCxnSpPr>
+            <a:endCxn id="13" idx="1"/>
+          </p:cNvCxnSpPr>
+          <p:nvPr/>
+        </p:nvCxnSpPr>
+        <p:spPr>
+          <a:xfrm rot="16200000" flipH="1">
+            <a:off x="9947505" y="4480000"/>
+            <a:ext cx="472384" cy="321616"/>
+          </a:xfrm>
+          <a:prstGeom prst="curvedConnector2">
+            <a:avLst/>
+          </a:prstGeom>
+          <a:ln>
+            <a:tailEnd type="triangle"/>
+          </a:ln>
+        </p:spPr>
+        <p:style>
+          <a:lnRef idx="1">
+            <a:schemeClr val="accent1"/>
+          </a:lnRef>
+          <a:fillRef idx="0">
+            <a:schemeClr val="accent1"/>
+          </a:fillRef>
+          <a:effectRef idx="0">
+            <a:schemeClr val="accent1"/>
+          </a:effectRef>
+          <a:fontRef idx="minor">
+            <a:schemeClr val="tx1"/>
+          </a:fontRef>
+        </p:style>
+      </p:cxnSp>
+      <p:sp>
+        <p:nvSpPr>
+          <p:cNvPr id="33" name="文本框 32">
+            <a:extLst>
+              <a:ext uri="{FF2B5EF4-FFF2-40B4-BE49-F238E27FC236}">
+                <a16:creationId xmlns:a16="http://schemas.microsoft.com/office/drawing/2014/main" id="{C9366259-B4BB-47C2-859C-63EEDC4B5AB3}"/>
+              </a:ext>
+            </a:extLst>
+          </p:cNvPr>
+          <p:cNvSpPr txBox="1"/>
+          <p:nvPr/>
+        </p:nvSpPr>
+        <p:spPr>
+          <a:xfrm>
+            <a:off x="816198" y="5207938"/>
+            <a:ext cx="1338828" cy="369332"/>
+          </a:xfrm>
+          <a:prstGeom prst="rect">
+            <a:avLst/>
+          </a:prstGeom>
+          <a:noFill/>
+        </p:spPr>
+        <p:txBody>
+          <a:bodyPr wrap="none" rtlCol="0">
+            <a:spAutoFit/>
           </a:bodyPr>
           <a:lstStyle/>
           <a:p>
             <a:r>
               <a:rPr lang="zh-CN" altLang="en-US" dirty="0"/>
-              <a:t>测试工具：</a:t>
-            </a:r>
-            <a:r>
-              <a:rPr lang="en-US" altLang="zh-CN" dirty="0"/>
-              <a:t>JUnit</a:t>
-            </a:r>
-          </a:p>
+              <a:t>工作组列表</a:t>
+            </a:r>
+          </a:p>
+        </p:txBody>
+      </p:sp>
+      <p:sp>
+        <p:nvSpPr>
+          <p:cNvPr id="34" name="文本框 33">
+            <a:extLst>
+              <a:ext uri="{FF2B5EF4-FFF2-40B4-BE49-F238E27FC236}">
+                <a16:creationId xmlns:a16="http://schemas.microsoft.com/office/drawing/2014/main" id="{86BBA801-A4CB-4559-9BD2-D1F7B3E3451C}"/>
+              </a:ext>
+            </a:extLst>
+          </p:cNvPr>
+          <p:cNvSpPr txBox="1"/>
+          <p:nvPr/>
+        </p:nvSpPr>
+        <p:spPr>
+          <a:xfrm>
+            <a:off x="2366100" y="4497894"/>
+            <a:ext cx="1569660" cy="369332"/>
+          </a:xfrm>
+          <a:prstGeom prst="rect">
+            <a:avLst/>
+          </a:prstGeom>
+          <a:noFill/>
+        </p:spPr>
+        <p:txBody>
+          <a:bodyPr wrap="none" rtlCol="0">
+            <a:spAutoFit/>
+          </a:bodyPr>
+          <a:lstStyle/>
           <a:p>
             <a:r>
               <a:rPr lang="zh-CN" altLang="en-US" dirty="0"/>
-              <a:t>主要测试对象：</a:t>
-            </a:r>
-            <a:endParaRPr lang="en-US" altLang="zh-CN" dirty="0"/>
-          </a:p>
-          <a:p>
-            <a:pPr lvl="1"/>
+              <a:t>待办事项列表</a:t>
+            </a:r>
+          </a:p>
+        </p:txBody>
+      </p:sp>
+      <p:sp>
+        <p:nvSpPr>
+          <p:cNvPr id="35" name="文本框 34">
+            <a:extLst>
+              <a:ext uri="{FF2B5EF4-FFF2-40B4-BE49-F238E27FC236}">
+                <a16:creationId xmlns:a16="http://schemas.microsoft.com/office/drawing/2014/main" id="{5B4C95CE-92A9-40B5-9021-9D878AC72E3F}"/>
+              </a:ext>
+            </a:extLst>
+          </p:cNvPr>
+          <p:cNvSpPr txBox="1"/>
+          <p:nvPr/>
+        </p:nvSpPr>
+        <p:spPr>
+          <a:xfrm>
+            <a:off x="3679762" y="5899377"/>
+            <a:ext cx="1346844" cy="369332"/>
+          </a:xfrm>
+          <a:prstGeom prst="rect">
+            <a:avLst/>
+          </a:prstGeom>
+          <a:noFill/>
+        </p:spPr>
+        <p:txBody>
+          <a:bodyPr wrap="none" rtlCol="0">
+            <a:spAutoFit/>
+          </a:bodyPr>
+          <a:lstStyle/>
+          <a:p>
             <a:r>
               <a:rPr lang="zh-CN" altLang="en-US" dirty="0"/>
-              <a:t>工具类</a:t>
-            </a:r>
-            <a:endParaRPr lang="en-US" altLang="zh-CN" dirty="0"/>
-          </a:p>
-          <a:p>
-            <a:pPr lvl="1"/>
+              <a:t>侧边栏菜单</a:t>
+            </a:r>
+          </a:p>
+        </p:txBody>
+      </p:sp>
+      <p:sp>
+        <p:nvSpPr>
+          <p:cNvPr id="36" name="文本框 35">
+            <a:extLst>
+              <a:ext uri="{FF2B5EF4-FFF2-40B4-BE49-F238E27FC236}">
+                <a16:creationId xmlns:a16="http://schemas.microsoft.com/office/drawing/2014/main" id="{6A97A775-2C6E-47D8-AFAB-583894CC008E}"/>
+              </a:ext>
+            </a:extLst>
+          </p:cNvPr>
+          <p:cNvSpPr txBox="1"/>
+          <p:nvPr/>
+        </p:nvSpPr>
+        <p:spPr>
+          <a:xfrm>
+            <a:off x="5634519" y="4407455"/>
+            <a:ext cx="1107996" cy="369332"/>
+          </a:xfrm>
+          <a:prstGeom prst="rect">
+            <a:avLst/>
+          </a:prstGeom>
+          <a:noFill/>
+        </p:spPr>
+        <p:txBody>
+          <a:bodyPr wrap="none" rtlCol="0">
+            <a:spAutoFit/>
+          </a:bodyPr>
+          <a:lstStyle/>
+          <a:p>
             <a:r>
               <a:rPr lang="zh-CN" altLang="en-US" dirty="0"/>
-              <a:t>数据库连接</a:t>
-            </a:r>
-            <a:endParaRPr lang="en-US" altLang="zh-CN" dirty="0"/>
-          </a:p>
-          <a:p>
-            <a:pPr lvl="1"/>
+              <a:t>待办详情</a:t>
+            </a:r>
+          </a:p>
+        </p:txBody>
+      </p:sp>
+      <p:sp>
+        <p:nvSpPr>
+          <p:cNvPr id="37" name="文本框 36">
+            <a:extLst>
+              <a:ext uri="{FF2B5EF4-FFF2-40B4-BE49-F238E27FC236}">
+                <a16:creationId xmlns:a16="http://schemas.microsoft.com/office/drawing/2014/main" id="{F769C351-C958-4D04-9E54-93EAF0167C53}"/>
+              </a:ext>
+            </a:extLst>
+          </p:cNvPr>
+          <p:cNvSpPr txBox="1"/>
+          <p:nvPr/>
+        </p:nvSpPr>
+        <p:spPr>
+          <a:xfrm>
+            <a:off x="7396160" y="5908208"/>
+            <a:ext cx="646331" cy="369332"/>
+          </a:xfrm>
+          <a:prstGeom prst="rect">
+            <a:avLst/>
+          </a:prstGeom>
+          <a:noFill/>
+        </p:spPr>
+        <p:txBody>
+          <a:bodyPr wrap="none" rtlCol="0">
+            <a:spAutoFit/>
+          </a:bodyPr>
+          <a:lstStyle/>
+          <a:p>
             <a:r>
               <a:rPr lang="zh-CN" altLang="en-US" dirty="0"/>
-              <a:t>序列化</a:t>
-            </a:r>
-            <a:endParaRPr lang="en-US" altLang="zh-CN" dirty="0"/>
-          </a:p>
-          <a:p>
-            <a:pPr lvl="1"/>
+              <a:t>设置</a:t>
+            </a:r>
+          </a:p>
+        </p:txBody>
+      </p:sp>
+      <p:sp>
+        <p:nvSpPr>
+          <p:cNvPr id="38" name="文本框 37">
+            <a:extLst>
+              <a:ext uri="{FF2B5EF4-FFF2-40B4-BE49-F238E27FC236}">
+                <a16:creationId xmlns:a16="http://schemas.microsoft.com/office/drawing/2014/main" id="{BDAFF28E-8C64-4DC0-8F49-09633839569C}"/>
+              </a:ext>
+            </a:extLst>
+          </p:cNvPr>
+          <p:cNvSpPr txBox="1"/>
+          <p:nvPr/>
+        </p:nvSpPr>
+        <p:spPr>
+          <a:xfrm>
+            <a:off x="8880945" y="4131647"/>
+            <a:ext cx="1107996" cy="369332"/>
+          </a:xfrm>
+          <a:prstGeom prst="rect">
+            <a:avLst/>
+          </a:prstGeom>
+          <a:noFill/>
+        </p:spPr>
+        <p:txBody>
+          <a:bodyPr wrap="none" rtlCol="0">
+            <a:spAutoFit/>
+          </a:bodyPr>
+          <a:lstStyle/>
+          <a:p>
             <a:r>
               <a:rPr lang="zh-CN" altLang="en-US" dirty="0"/>
-              <a:t>邀请码链接</a:t>
-            </a:r>
-            <a:endParaRPr lang="en-US" altLang="zh-CN" dirty="0"/>
-          </a:p>
-          <a:p>
-            <a:endParaRPr lang="zh-CN" altLang="en-US" dirty="0"/>
+              <a:t>用户管理</a:t>
+            </a:r>
+          </a:p>
+        </p:txBody>
+      </p:sp>
+      <p:sp>
+        <p:nvSpPr>
+          <p:cNvPr id="39" name="文本框 38">
+            <a:extLst>
+              <a:ext uri="{FF2B5EF4-FFF2-40B4-BE49-F238E27FC236}">
+                <a16:creationId xmlns:a16="http://schemas.microsoft.com/office/drawing/2014/main" id="{ECDEA2B5-BA11-4544-A26E-A1ABCA583522}"/>
+              </a:ext>
+            </a:extLst>
+          </p:cNvPr>
+          <p:cNvSpPr txBox="1"/>
+          <p:nvPr/>
+        </p:nvSpPr>
+        <p:spPr>
+          <a:xfrm>
+            <a:off x="10344505" y="5989006"/>
+            <a:ext cx="1338828" cy="369332"/>
+          </a:xfrm>
+          <a:prstGeom prst="rect">
+            <a:avLst/>
+          </a:prstGeom>
+          <a:noFill/>
+        </p:spPr>
+        <p:txBody>
+          <a:bodyPr wrap="none" rtlCol="0">
+            <a:spAutoFit/>
+          </a:bodyPr>
+          <a:lstStyle/>
+          <a:p>
+            <a:r>
+              <a:rPr lang="zh-CN" altLang="en-US" dirty="0">
+                <a:solidFill>
+                  <a:schemeClr val="bg1"/>
+                </a:solidFill>
+              </a:rPr>
+              <a:t>工作组分享</a:t>
+            </a:r>
           </a:p>
         </p:txBody>
       </p:sp>
     </p:spTree>
     <p:extLst>
       <p:ext uri="{BB962C8B-B14F-4D97-AF65-F5344CB8AC3E}">
-        <p14:creationId xmlns:p14="http://schemas.microsoft.com/office/powerpoint/2010/main" val="3732933352"/>
+        <p14:creationId xmlns:p14="http://schemas.microsoft.com/office/powerpoint/2010/main" val="1692677293"/>
       </p:ext>
     </p:extLst>
   </p:cSld>
   <p:clrMapOvr>
     <a:masterClrMapping/>
   </p:clrMapOvr>
+  <mc:AlternateContent xmlns:mc="http://schemas.openxmlformats.org/markup-compatibility/2006">
+    <mc:Choice xmlns:p159="http://schemas.microsoft.com/office/powerpoint/2015/09/main" Requires="p159">
+      <p:transition spd="slow">
+        <p159:morph option="byObject"/>
+      </p:transition>
+    </mc:Choice>
+    <mc:Fallback>
+      <p:transition spd="slow">
+        <p:fade/>
+      </p:transition>
+    </mc:Fallback>
+  </mc:AlternateContent>
 </p:sld>
 </file>
 
@@ -5363,7 +6228,7 @@
           <p:cNvPr id="2" name="标题 1">
             <a:extLst>
               <a:ext uri="{FF2B5EF4-FFF2-40B4-BE49-F238E27FC236}">
-                <a16:creationId xmlns:a16="http://schemas.microsoft.com/office/drawing/2014/main" id="{CC440291-7E9E-401D-9F26-1292DE1D420D}"/>
+                <a16:creationId xmlns:a16="http://schemas.microsoft.com/office/drawing/2014/main" id="{B11C637E-5493-4E54-B0FB-0A858E4DC6AF}"/>
               </a:ext>
             </a:extLst>
           </p:cNvPr>
@@ -5381,7 +6246,7 @@
           <a:p>
             <a:r>
               <a:rPr lang="zh-CN" altLang="en-US" dirty="0"/>
-              <a:t>应用性能和可用性分析</a:t>
+              <a:t>实现的功能</a:t>
             </a:r>
           </a:p>
         </p:txBody>
@@ -5391,7 +6256,7 @@
           <p:cNvPr id="3" name="内容占位符 2">
             <a:extLst>
               <a:ext uri="{FF2B5EF4-FFF2-40B4-BE49-F238E27FC236}">
-                <a16:creationId xmlns:a16="http://schemas.microsoft.com/office/drawing/2014/main" id="{16D316DA-E6AA-4C36-AB4A-66E0AE713FA6}"/>
+                <a16:creationId xmlns:a16="http://schemas.microsoft.com/office/drawing/2014/main" id="{28FFF96D-8574-4CBD-9B09-A884BCC51858}"/>
               </a:ext>
             </a:extLst>
           </p:cNvPr>
@@ -5402,87 +6267,877 @@
             <p:ph idx="1"/>
           </p:nvPr>
         </p:nvSpPr>
-        <p:spPr/>
+        <p:spPr>
+          <a:xfrm>
+            <a:off x="3599155" y="1795817"/>
+            <a:ext cx="3556247" cy="4351338"/>
+          </a:xfrm>
+        </p:spPr>
         <p:txBody>
           <a:bodyPr>
-            <a:normAutofit/>
+            <a:normAutofit fontScale="92500" lnSpcReduction="10000"/>
           </a:bodyPr>
           <a:lstStyle/>
           <a:p>
             <a:r>
-              <a:rPr lang="en-US" altLang="zh-CN" sz="2400" dirty="0"/>
-              <a:t>1</a:t>
-            </a:r>
-            <a:r>
-              <a:rPr lang="zh-CN" altLang="en-US" sz="2400" dirty="0"/>
-              <a:t>、可用性分析：我们通过以下几个方面来看：</a:t>
-            </a:r>
-          </a:p>
-          <a:p>
-            <a:r>
-              <a:rPr lang="en-US" altLang="zh-CN" sz="2400" dirty="0"/>
-              <a:t>1</a:t>
-            </a:r>
-            <a:r>
-              <a:rPr lang="zh-CN" altLang="en-US" sz="2400" dirty="0"/>
-              <a:t>、易学性和易记性：在开发过程中，我们考虑到了新用户，通过言简意赅的设计，可以使新用户很快学会有效的完成一些基本操作；当然老用户也可以很容易的记得如何再次有效利用，而不必重新学习所有的东西。</a:t>
-            </a:r>
-          </a:p>
-          <a:p>
-            <a:r>
-              <a:rPr lang="en-US" altLang="zh-CN" sz="2400" dirty="0"/>
-              <a:t>2</a:t>
-            </a:r>
-            <a:r>
-              <a:rPr lang="zh-CN" altLang="en-US" sz="2400" dirty="0"/>
-              <a:t>、有效性：可以帮助用户准确找到所要的信息，使得用户完整地找到自己所要的信息或实现特定的目的。</a:t>
-            </a:r>
-          </a:p>
-          <a:p>
-            <a:r>
-              <a:rPr lang="en-US" altLang="zh-CN" sz="2400" dirty="0"/>
-              <a:t>3</a:t>
-            </a:r>
-            <a:r>
-              <a:rPr lang="zh-CN" altLang="en-US" sz="2400" dirty="0"/>
-              <a:t>、效率：可以较快的使用户完成任务。</a:t>
-            </a:r>
-          </a:p>
-          <a:p>
-            <a:r>
-              <a:rPr lang="en-US" altLang="zh-CN" sz="2400" dirty="0"/>
-              <a:t>2</a:t>
-            </a:r>
-            <a:r>
-              <a:rPr lang="zh-CN" altLang="en-US" sz="2400" dirty="0"/>
-              <a:t>、性能分析：我们通过对应用响应时间、吞吐量、用户并发数量等一些指标的分析，应用基本性能较好，但仍有上升空间。</a:t>
-            </a:r>
-          </a:p>
-          <a:p>
-            <a:r>
-              <a:rPr lang="en-US" altLang="zh-CN" sz="2400" dirty="0"/>
-              <a:t>3</a:t>
-            </a:r>
-            <a:r>
-              <a:rPr lang="zh-CN" altLang="en-US" sz="2400" dirty="0"/>
-              <a:t>、通过以上关于应用可用性与性能的分析，基本情况较好，但可以通过优化数据库、优化程序等方式去完善和提升应用的可用性与性能。</a:t>
-            </a:r>
-          </a:p>
-          <a:p>
-            <a:endParaRPr lang="zh-CN" altLang="en-US" sz="2000" dirty="0"/>
+              <a:rPr lang="zh-CN" altLang="en-US" sz="1600" dirty="0"/>
+              <a:t> </a:t>
+            </a:r>
+            <a:r>
+              <a:rPr lang="en-US" altLang="zh-CN" sz="1600" dirty="0"/>
+              <a:t>H - </a:t>
+            </a:r>
+            <a:r>
+              <a:rPr lang="zh-CN" altLang="en-US" sz="1600" dirty="0"/>
+              <a:t>基本的登录与注册</a:t>
+            </a:r>
+          </a:p>
+          <a:p>
+            <a:r>
+              <a:rPr lang="zh-CN" altLang="en-US" sz="1600" dirty="0"/>
+              <a:t> </a:t>
+            </a:r>
+            <a:r>
+              <a:rPr lang="en-US" altLang="zh-CN" sz="1600" dirty="0"/>
+              <a:t>H - </a:t>
+            </a:r>
+            <a:r>
+              <a:rPr lang="zh-CN" altLang="en-US" sz="1600" dirty="0"/>
+              <a:t>持久化登录</a:t>
+            </a:r>
+          </a:p>
+          <a:p>
+            <a:r>
+              <a:rPr lang="zh-CN" altLang="en-US" sz="1600" dirty="0"/>
+              <a:t> </a:t>
+            </a:r>
+            <a:r>
+              <a:rPr lang="en-US" altLang="zh-CN" sz="1600" dirty="0"/>
+              <a:t>H - </a:t>
+            </a:r>
+            <a:r>
+              <a:rPr lang="zh-CN" altLang="en-US" sz="1600" dirty="0"/>
+              <a:t>前端 </a:t>
+            </a:r>
+            <a:r>
+              <a:rPr lang="en-US" altLang="zh-CN" sz="1600" dirty="0"/>
+              <a:t>- </a:t>
+            </a:r>
+            <a:r>
+              <a:rPr lang="zh-CN" altLang="en-US" sz="1600" dirty="0"/>
+              <a:t>工作组列表</a:t>
+            </a:r>
+          </a:p>
+          <a:p>
+            <a:r>
+              <a:rPr lang="zh-CN" altLang="en-US" sz="1600" dirty="0"/>
+              <a:t> </a:t>
+            </a:r>
+            <a:r>
+              <a:rPr lang="en-US" altLang="zh-CN" sz="1600" dirty="0"/>
+              <a:t>H - </a:t>
+            </a:r>
+            <a:r>
+              <a:rPr lang="zh-CN" altLang="en-US" sz="1600" dirty="0"/>
+              <a:t>后端 </a:t>
+            </a:r>
+            <a:r>
+              <a:rPr lang="en-US" altLang="zh-CN" sz="1600" dirty="0"/>
+              <a:t>- </a:t>
+            </a:r>
+            <a:r>
+              <a:rPr lang="zh-CN" altLang="en-US" sz="1600" dirty="0"/>
+              <a:t>工作组列表查询</a:t>
+            </a:r>
+          </a:p>
+          <a:p>
+            <a:r>
+              <a:rPr lang="zh-CN" altLang="en-US" sz="1600" dirty="0"/>
+              <a:t> </a:t>
+            </a:r>
+            <a:r>
+              <a:rPr lang="en-US" altLang="zh-CN" sz="1600" dirty="0"/>
+              <a:t>H - </a:t>
+            </a:r>
+            <a:r>
+              <a:rPr lang="zh-CN" altLang="en-US" sz="1600" dirty="0"/>
+              <a:t>工作组列表的添加和删除</a:t>
+            </a:r>
+          </a:p>
+          <a:p>
+            <a:r>
+              <a:rPr lang="zh-CN" altLang="en-US" sz="1600" dirty="0"/>
+              <a:t> </a:t>
+            </a:r>
+            <a:r>
+              <a:rPr lang="en-US" altLang="zh-CN" sz="1600" dirty="0"/>
+              <a:t>H - </a:t>
+            </a:r>
+            <a:r>
+              <a:rPr lang="zh-CN" altLang="en-US" sz="1600" dirty="0"/>
+              <a:t>工作组列表的修改</a:t>
+            </a:r>
+          </a:p>
+          <a:p>
+            <a:r>
+              <a:rPr lang="zh-CN" altLang="en-US" sz="1600" dirty="0"/>
+              <a:t> </a:t>
+            </a:r>
+            <a:r>
+              <a:rPr lang="en-US" altLang="zh-CN" sz="1600" dirty="0"/>
+              <a:t>H - </a:t>
+            </a:r>
+            <a:r>
+              <a:rPr lang="zh-CN" altLang="en-US" sz="1600" dirty="0"/>
+              <a:t>前端 </a:t>
+            </a:r>
+            <a:r>
+              <a:rPr lang="en-US" altLang="zh-CN" sz="1600" dirty="0"/>
+              <a:t>- </a:t>
+            </a:r>
+            <a:r>
+              <a:rPr lang="zh-CN" altLang="en-US" sz="1600" dirty="0"/>
+              <a:t>待办事项列表</a:t>
+            </a:r>
+          </a:p>
+          <a:p>
+            <a:r>
+              <a:rPr lang="zh-CN" altLang="en-US" sz="1600" dirty="0"/>
+              <a:t> </a:t>
+            </a:r>
+            <a:r>
+              <a:rPr lang="en-US" altLang="zh-CN" sz="1600" dirty="0"/>
+              <a:t>H - </a:t>
+            </a:r>
+            <a:r>
+              <a:rPr lang="zh-CN" altLang="en-US" sz="1600" dirty="0"/>
+              <a:t>后端 </a:t>
+            </a:r>
+            <a:r>
+              <a:rPr lang="en-US" altLang="zh-CN" sz="1600" dirty="0"/>
+              <a:t>- </a:t>
+            </a:r>
+            <a:r>
+              <a:rPr lang="zh-CN" altLang="en-US" sz="1600" dirty="0"/>
+              <a:t>待办事项列表查询</a:t>
+            </a:r>
+          </a:p>
+          <a:p>
+            <a:r>
+              <a:rPr lang="zh-CN" altLang="en-US" sz="1600" dirty="0"/>
+              <a:t> </a:t>
+            </a:r>
+            <a:r>
+              <a:rPr lang="en-US" altLang="zh-CN" sz="1600" dirty="0"/>
+              <a:t>H - </a:t>
+            </a:r>
+            <a:r>
+              <a:rPr lang="zh-CN" altLang="en-US" sz="1600" dirty="0"/>
+              <a:t>待办事项的添加和删除</a:t>
+            </a:r>
+          </a:p>
+          <a:p>
+            <a:r>
+              <a:rPr lang="zh-CN" altLang="en-US" sz="1600" dirty="0"/>
+              <a:t> </a:t>
+            </a:r>
+            <a:r>
+              <a:rPr lang="en-US" altLang="zh-CN" sz="1600" dirty="0"/>
+              <a:t>M - </a:t>
+            </a:r>
+            <a:r>
+              <a:rPr lang="zh-CN" altLang="en-US" sz="1600" dirty="0"/>
+              <a:t>待办事项的修改</a:t>
+            </a:r>
+          </a:p>
+          <a:p>
+            <a:r>
+              <a:rPr lang="zh-CN" altLang="en-US" sz="1600" dirty="0"/>
+              <a:t> </a:t>
+            </a:r>
+            <a:r>
+              <a:rPr lang="en-US" altLang="zh-CN" sz="1600" dirty="0"/>
+              <a:t>H - </a:t>
+            </a:r>
+            <a:r>
+              <a:rPr lang="zh-CN" altLang="en-US" sz="1600" dirty="0"/>
+              <a:t>待办事项操作列表的查询</a:t>
+            </a:r>
+          </a:p>
+          <a:p>
+            <a:r>
+              <a:rPr lang="zh-CN" altLang="en-US" sz="1600" dirty="0"/>
+              <a:t> </a:t>
+            </a:r>
+            <a:r>
+              <a:rPr lang="en-US" altLang="zh-CN" sz="1600" dirty="0"/>
+              <a:t>H - </a:t>
+            </a:r>
+            <a:r>
+              <a:rPr lang="zh-CN" altLang="en-US" sz="1600" dirty="0"/>
+              <a:t>待办事项操作的添加</a:t>
+            </a:r>
+            <a:endParaRPr lang="en-US" altLang="zh-CN" sz="1600" dirty="0"/>
+          </a:p>
+          <a:p>
+            <a:r>
+              <a:rPr lang="en-US" altLang="zh-CN" sz="1600" dirty="0"/>
+              <a:t> H - </a:t>
+            </a:r>
+            <a:r>
+              <a:rPr lang="zh-CN" altLang="en-US" sz="1600" dirty="0"/>
+              <a:t>查看待办事项详情</a:t>
+            </a:r>
+            <a:endParaRPr lang="en-US" altLang="zh-CN" sz="1600" dirty="0"/>
+          </a:p>
+          <a:p>
+            <a:r>
+              <a:rPr lang="en-US" altLang="zh-CN" sz="1600" dirty="0"/>
+              <a:t> O - </a:t>
+            </a:r>
+            <a:r>
+              <a:rPr lang="zh-CN" altLang="en-US" sz="1600" dirty="0"/>
+              <a:t>待办事项最后期限</a:t>
+            </a:r>
+          </a:p>
+          <a:p>
+            <a:endParaRPr lang="zh-CN" altLang="en-US" sz="1600" dirty="0"/>
+          </a:p>
+        </p:txBody>
+      </p:sp>
+      <p:sp>
+        <p:nvSpPr>
+          <p:cNvPr id="4" name="内容占位符 2">
+            <a:extLst>
+              <a:ext uri="{FF2B5EF4-FFF2-40B4-BE49-F238E27FC236}">
+                <a16:creationId xmlns:a16="http://schemas.microsoft.com/office/drawing/2014/main" id="{92E57FA1-67B7-41FC-8CF6-DBA34ED80378}"/>
+              </a:ext>
+            </a:extLst>
+          </p:cNvPr>
+          <p:cNvSpPr txBox="1">
+            <a:spLocks/>
+          </p:cNvSpPr>
+          <p:nvPr/>
+        </p:nvSpPr>
+        <p:spPr>
+          <a:xfrm>
+            <a:off x="7270813" y="1690688"/>
+            <a:ext cx="3556247" cy="4351338"/>
+          </a:xfrm>
+          <a:prstGeom prst="rect">
+            <a:avLst/>
+          </a:prstGeom>
+        </p:spPr>
+        <p:txBody>
+          <a:bodyPr vert="horz" lIns="91440" tIns="45720" rIns="91440" bIns="45720" rtlCol="0">
+            <a:normAutofit lnSpcReduction="10000"/>
+          </a:bodyPr>
+          <a:lstStyle>
+            <a:lvl1pPr marL="228600" indent="-228600" algn="l" defTabSz="914400" rtl="0" eaLnBrk="1" latinLnBrk="0" hangingPunct="1">
+              <a:lnSpc>
+                <a:spcPct val="90000"/>
+              </a:lnSpc>
+              <a:spcBef>
+                <a:spcPts val="1000"/>
+              </a:spcBef>
+              <a:buFont typeface="Arial" panose="020B0604020202020204" pitchFamily="34" charset="0"/>
+              <a:buChar char="•"/>
+              <a:defRPr sz="2800" kern="1200">
+                <a:solidFill>
+                  <a:schemeClr val="tx1"/>
+                </a:solidFill>
+                <a:latin typeface="+mn-lt"/>
+                <a:ea typeface="+mn-ea"/>
+                <a:cs typeface="+mn-cs"/>
+              </a:defRPr>
+            </a:lvl1pPr>
+            <a:lvl2pPr marL="685800" indent="-228600" algn="l" defTabSz="914400" rtl="0" eaLnBrk="1" latinLnBrk="0" hangingPunct="1">
+              <a:lnSpc>
+                <a:spcPct val="90000"/>
+              </a:lnSpc>
+              <a:spcBef>
+                <a:spcPts val="500"/>
+              </a:spcBef>
+              <a:buFont typeface="Arial" panose="020B0604020202020204" pitchFamily="34" charset="0"/>
+              <a:buChar char="•"/>
+              <a:defRPr sz="2400" kern="1200">
+                <a:solidFill>
+                  <a:schemeClr val="tx1"/>
+                </a:solidFill>
+                <a:latin typeface="+mn-lt"/>
+                <a:ea typeface="+mn-ea"/>
+                <a:cs typeface="+mn-cs"/>
+              </a:defRPr>
+            </a:lvl2pPr>
+            <a:lvl3pPr marL="1143000" indent="-228600" algn="l" defTabSz="914400" rtl="0" eaLnBrk="1" latinLnBrk="0" hangingPunct="1">
+              <a:lnSpc>
+                <a:spcPct val="90000"/>
+              </a:lnSpc>
+              <a:spcBef>
+                <a:spcPts val="500"/>
+              </a:spcBef>
+              <a:buFont typeface="Arial" panose="020B0604020202020204" pitchFamily="34" charset="0"/>
+              <a:buChar char="•"/>
+              <a:defRPr sz="2000" kern="1200">
+                <a:solidFill>
+                  <a:schemeClr val="tx1"/>
+                </a:solidFill>
+                <a:latin typeface="+mn-lt"/>
+                <a:ea typeface="+mn-ea"/>
+                <a:cs typeface="+mn-cs"/>
+              </a:defRPr>
+            </a:lvl3pPr>
+            <a:lvl4pPr marL="1600200" indent="-228600" algn="l" defTabSz="914400" rtl="0" eaLnBrk="1" latinLnBrk="0" hangingPunct="1">
+              <a:lnSpc>
+                <a:spcPct val="90000"/>
+              </a:lnSpc>
+              <a:spcBef>
+                <a:spcPts val="500"/>
+              </a:spcBef>
+              <a:buFont typeface="Arial" panose="020B0604020202020204" pitchFamily="34" charset="0"/>
+              <a:buChar char="•"/>
+              <a:defRPr sz="1800" kern="1200">
+                <a:solidFill>
+                  <a:schemeClr val="tx1"/>
+                </a:solidFill>
+                <a:latin typeface="+mn-lt"/>
+                <a:ea typeface="+mn-ea"/>
+                <a:cs typeface="+mn-cs"/>
+              </a:defRPr>
+            </a:lvl4pPr>
+            <a:lvl5pPr marL="2057400" indent="-228600" algn="l" defTabSz="914400" rtl="0" eaLnBrk="1" latinLnBrk="0" hangingPunct="1">
+              <a:lnSpc>
+                <a:spcPct val="90000"/>
+              </a:lnSpc>
+              <a:spcBef>
+                <a:spcPts val="500"/>
+              </a:spcBef>
+              <a:buFont typeface="Arial" panose="020B0604020202020204" pitchFamily="34" charset="0"/>
+              <a:buChar char="•"/>
+              <a:defRPr sz="1800" kern="1200">
+                <a:solidFill>
+                  <a:schemeClr val="tx1"/>
+                </a:solidFill>
+                <a:latin typeface="+mn-lt"/>
+                <a:ea typeface="+mn-ea"/>
+                <a:cs typeface="+mn-cs"/>
+              </a:defRPr>
+            </a:lvl5pPr>
+            <a:lvl6pPr marL="2514600" indent="-228600" algn="l" defTabSz="914400" rtl="0" eaLnBrk="1" latinLnBrk="0" hangingPunct="1">
+              <a:lnSpc>
+                <a:spcPct val="90000"/>
+              </a:lnSpc>
+              <a:spcBef>
+                <a:spcPts val="500"/>
+              </a:spcBef>
+              <a:buFont typeface="Arial" panose="020B0604020202020204" pitchFamily="34" charset="0"/>
+              <a:buChar char="•"/>
+              <a:defRPr sz="1800" kern="1200">
+                <a:solidFill>
+                  <a:schemeClr val="tx1"/>
+                </a:solidFill>
+                <a:latin typeface="+mn-lt"/>
+                <a:ea typeface="+mn-ea"/>
+                <a:cs typeface="+mn-cs"/>
+              </a:defRPr>
+            </a:lvl6pPr>
+            <a:lvl7pPr marL="2971800" indent="-228600" algn="l" defTabSz="914400" rtl="0" eaLnBrk="1" latinLnBrk="0" hangingPunct="1">
+              <a:lnSpc>
+                <a:spcPct val="90000"/>
+              </a:lnSpc>
+              <a:spcBef>
+                <a:spcPts val="500"/>
+              </a:spcBef>
+              <a:buFont typeface="Arial" panose="020B0604020202020204" pitchFamily="34" charset="0"/>
+              <a:buChar char="•"/>
+              <a:defRPr sz="1800" kern="1200">
+                <a:solidFill>
+                  <a:schemeClr val="tx1"/>
+                </a:solidFill>
+                <a:latin typeface="+mn-lt"/>
+                <a:ea typeface="+mn-ea"/>
+                <a:cs typeface="+mn-cs"/>
+              </a:defRPr>
+            </a:lvl7pPr>
+            <a:lvl8pPr marL="3429000" indent="-228600" algn="l" defTabSz="914400" rtl="0" eaLnBrk="1" latinLnBrk="0" hangingPunct="1">
+              <a:lnSpc>
+                <a:spcPct val="90000"/>
+              </a:lnSpc>
+              <a:spcBef>
+                <a:spcPts val="500"/>
+              </a:spcBef>
+              <a:buFont typeface="Arial" panose="020B0604020202020204" pitchFamily="34" charset="0"/>
+              <a:buChar char="•"/>
+              <a:defRPr sz="1800" kern="1200">
+                <a:solidFill>
+                  <a:schemeClr val="tx1"/>
+                </a:solidFill>
+                <a:latin typeface="+mn-lt"/>
+                <a:ea typeface="+mn-ea"/>
+                <a:cs typeface="+mn-cs"/>
+              </a:defRPr>
+            </a:lvl8pPr>
+            <a:lvl9pPr marL="3886200" indent="-228600" algn="l" defTabSz="914400" rtl="0" eaLnBrk="1" latinLnBrk="0" hangingPunct="1">
+              <a:lnSpc>
+                <a:spcPct val="90000"/>
+              </a:lnSpc>
+              <a:spcBef>
+                <a:spcPts val="500"/>
+              </a:spcBef>
+              <a:buFont typeface="Arial" panose="020B0604020202020204" pitchFamily="34" charset="0"/>
+              <a:buChar char="•"/>
+              <a:defRPr sz="1800" kern="1200">
+                <a:solidFill>
+                  <a:schemeClr val="tx1"/>
+                </a:solidFill>
+                <a:latin typeface="+mn-lt"/>
+                <a:ea typeface="+mn-ea"/>
+                <a:cs typeface="+mn-cs"/>
+              </a:defRPr>
+            </a:lvl9pPr>
+          </a:lstStyle>
+          <a:p>
+            <a:r>
+              <a:rPr lang="en-US" altLang="zh-CN" sz="1600" dirty="0"/>
+              <a:t>O - </a:t>
+            </a:r>
+            <a:r>
+              <a:rPr lang="zh-CN" altLang="en-US" sz="1600" dirty="0"/>
+              <a:t>自动设置待办事项状态</a:t>
+            </a:r>
+          </a:p>
+          <a:p>
+            <a:r>
+              <a:rPr lang="zh-CN" altLang="en-US" sz="1600" dirty="0"/>
+              <a:t> </a:t>
+            </a:r>
+            <a:r>
+              <a:rPr lang="en-US" altLang="zh-CN" sz="1600" dirty="0"/>
+              <a:t>L - </a:t>
+            </a:r>
+            <a:r>
+              <a:rPr lang="zh-CN" altLang="en-US" sz="1600" dirty="0"/>
+              <a:t>前端 </a:t>
+            </a:r>
+            <a:r>
+              <a:rPr lang="en-US" altLang="zh-CN" sz="1600" dirty="0"/>
+              <a:t>- </a:t>
+            </a:r>
+            <a:r>
+              <a:rPr lang="zh-CN" altLang="en-US" sz="1600" dirty="0"/>
+              <a:t>设置界面</a:t>
+            </a:r>
+          </a:p>
+          <a:p>
+            <a:r>
+              <a:rPr lang="zh-CN" altLang="en-US" sz="1600" dirty="0"/>
+              <a:t> </a:t>
+            </a:r>
+            <a:r>
+              <a:rPr lang="en-US" altLang="zh-CN" sz="1600" dirty="0"/>
+              <a:t>M - </a:t>
+            </a:r>
+            <a:r>
+              <a:rPr lang="zh-CN" altLang="en-US" sz="1600" dirty="0"/>
+              <a:t>前端 </a:t>
+            </a:r>
+            <a:r>
+              <a:rPr lang="en-US" altLang="zh-CN" sz="1600" dirty="0"/>
+              <a:t>- </a:t>
+            </a:r>
+            <a:r>
+              <a:rPr lang="zh-CN" altLang="en-US" sz="1600" dirty="0"/>
+              <a:t>多语言</a:t>
+            </a:r>
+          </a:p>
+          <a:p>
+            <a:r>
+              <a:rPr lang="zh-CN" altLang="en-US" sz="1600" dirty="0"/>
+              <a:t> </a:t>
+            </a:r>
+            <a:r>
+              <a:rPr lang="en-US" altLang="zh-CN" sz="1600" dirty="0"/>
+              <a:t>O - </a:t>
+            </a:r>
+            <a:r>
+              <a:rPr lang="zh-CN" altLang="en-US" sz="1600" dirty="0"/>
+              <a:t>前端 </a:t>
+            </a:r>
+            <a:r>
+              <a:rPr lang="en-US" altLang="zh-CN" sz="1600" dirty="0"/>
+              <a:t>- </a:t>
+            </a:r>
+            <a:r>
+              <a:rPr lang="zh-CN" altLang="en-US" sz="1600" dirty="0"/>
+              <a:t>夜间模式</a:t>
+            </a:r>
+          </a:p>
+          <a:p>
+            <a:r>
+              <a:rPr lang="zh-CN" altLang="en-US" sz="1600" dirty="0"/>
+              <a:t> </a:t>
+            </a:r>
+            <a:r>
+              <a:rPr lang="en-US" altLang="zh-CN" sz="1600" dirty="0"/>
+              <a:t>L - </a:t>
+            </a:r>
+            <a:r>
+              <a:rPr lang="zh-CN" altLang="en-US" sz="1600" dirty="0"/>
+              <a:t>加载用户头像</a:t>
+            </a:r>
+          </a:p>
+          <a:p>
+            <a:r>
+              <a:rPr lang="zh-CN" altLang="en-US" sz="1600" dirty="0"/>
+              <a:t> </a:t>
+            </a:r>
+            <a:r>
+              <a:rPr lang="en-US" altLang="zh-CN" sz="1600" dirty="0"/>
+              <a:t>L - </a:t>
+            </a:r>
+            <a:r>
+              <a:rPr lang="zh-CN" altLang="en-US" sz="1600" dirty="0"/>
+              <a:t>用户修改头像</a:t>
+            </a:r>
+          </a:p>
+          <a:p>
+            <a:r>
+              <a:rPr lang="zh-CN" altLang="en-US" sz="1600" dirty="0"/>
+              <a:t> </a:t>
+            </a:r>
+            <a:r>
+              <a:rPr lang="en-US" altLang="zh-CN" sz="1600" dirty="0"/>
+              <a:t>M - </a:t>
+            </a:r>
+            <a:r>
+              <a:rPr lang="zh-CN" altLang="en-US" sz="1600" dirty="0"/>
+              <a:t>用户修改名称</a:t>
+            </a:r>
+          </a:p>
+          <a:p>
+            <a:r>
+              <a:rPr lang="zh-CN" altLang="en-US" sz="1600" dirty="0"/>
+              <a:t> </a:t>
+            </a:r>
+            <a:r>
+              <a:rPr lang="en-US" altLang="zh-CN" sz="1600" dirty="0"/>
+              <a:t>L - </a:t>
+            </a:r>
+            <a:r>
+              <a:rPr lang="zh-CN" altLang="en-US" sz="1600" dirty="0"/>
+              <a:t>用户修改邮箱和密码</a:t>
+            </a:r>
+          </a:p>
+          <a:p>
+            <a:r>
+              <a:rPr lang="zh-CN" altLang="en-US" sz="1600" dirty="0"/>
+              <a:t> </a:t>
+            </a:r>
+            <a:r>
+              <a:rPr lang="en-US" altLang="zh-CN" sz="1600" dirty="0"/>
+              <a:t>M - </a:t>
+            </a:r>
+            <a:r>
+              <a:rPr lang="zh-CN" altLang="en-US" sz="1600" dirty="0"/>
+              <a:t>邀请用户加入工作组</a:t>
+            </a:r>
+          </a:p>
+          <a:p>
+            <a:r>
+              <a:rPr lang="zh-CN" altLang="en-US" sz="1600" dirty="0"/>
+              <a:t> </a:t>
+            </a:r>
+            <a:r>
+              <a:rPr lang="en-US" altLang="zh-CN" sz="1600" dirty="0"/>
+              <a:t>O - </a:t>
+            </a:r>
+            <a:r>
+              <a:rPr lang="zh-CN" altLang="en-US" sz="1600" dirty="0"/>
+              <a:t>前端 </a:t>
+            </a:r>
+            <a:r>
+              <a:rPr lang="en-US" altLang="zh-CN" sz="1600" dirty="0"/>
+              <a:t>- </a:t>
+            </a:r>
+            <a:r>
+              <a:rPr lang="zh-CN" altLang="en-US" sz="1600" dirty="0"/>
+              <a:t>根据邀请码生成二维码并实现扫描</a:t>
+            </a:r>
+          </a:p>
+          <a:p>
+            <a:r>
+              <a:rPr lang="zh-CN" altLang="en-US" sz="1600" dirty="0"/>
+              <a:t> </a:t>
+            </a:r>
+            <a:r>
+              <a:rPr lang="en-US" altLang="zh-CN" sz="1600" dirty="0"/>
+              <a:t>H - </a:t>
+            </a:r>
+            <a:r>
+              <a:rPr lang="zh-CN" altLang="en-US" sz="1600" dirty="0"/>
+              <a:t>加载工作组的用户列表</a:t>
+            </a:r>
+          </a:p>
+          <a:p>
+            <a:r>
+              <a:rPr lang="zh-CN" altLang="en-US" sz="1600" dirty="0"/>
+              <a:t> </a:t>
+            </a:r>
+            <a:r>
+              <a:rPr lang="en-US" altLang="zh-CN" sz="1600" dirty="0"/>
+              <a:t>M - </a:t>
+            </a:r>
+            <a:r>
+              <a:rPr lang="zh-CN" altLang="en-US" sz="1600" dirty="0"/>
+              <a:t>踢除工作组中的用户</a:t>
+            </a:r>
+          </a:p>
+          <a:p>
+            <a:r>
+              <a:rPr lang="zh-CN" altLang="en-US" sz="1600" dirty="0"/>
+              <a:t> </a:t>
+            </a:r>
+            <a:r>
+              <a:rPr lang="en-US" altLang="zh-CN" sz="1600" dirty="0"/>
+              <a:t>L - </a:t>
+            </a:r>
+            <a:r>
+              <a:rPr lang="zh-CN" altLang="en-US" sz="1600" dirty="0"/>
+              <a:t>转让工作组组长</a:t>
+            </a:r>
+          </a:p>
+        </p:txBody>
+      </p:sp>
+      <p:sp>
+        <p:nvSpPr>
+          <p:cNvPr id="5" name="文本框 4">
+            <a:extLst>
+              <a:ext uri="{FF2B5EF4-FFF2-40B4-BE49-F238E27FC236}">
+                <a16:creationId xmlns:a16="http://schemas.microsoft.com/office/drawing/2014/main" id="{E72E79E6-EDEB-4409-AC47-1DD2582242AD}"/>
+              </a:ext>
+            </a:extLst>
+          </p:cNvPr>
+          <p:cNvSpPr txBox="1"/>
+          <p:nvPr/>
+        </p:nvSpPr>
+        <p:spPr>
+          <a:xfrm>
+            <a:off x="763480" y="1953087"/>
+            <a:ext cx="2720264" cy="3139321"/>
+          </a:xfrm>
+          <a:prstGeom prst="rect">
+            <a:avLst/>
+          </a:prstGeom>
+          <a:noFill/>
+        </p:spPr>
+        <p:txBody>
+          <a:bodyPr wrap="square" rtlCol="0">
+            <a:spAutoFit/>
+          </a:bodyPr>
+          <a:lstStyle/>
+          <a:p>
+            <a:r>
+              <a:rPr lang="zh-CN" altLang="en-US" dirty="0"/>
+              <a:t>为了更好地管理项目，我们对功能需求区分了优先级：</a:t>
+            </a:r>
+            <a:endParaRPr lang="en-US" altLang="zh-CN" dirty="0"/>
+          </a:p>
+          <a:p>
+            <a:r>
+              <a:rPr lang="en-US" altLang="zh-CN" b="1" dirty="0">
+                <a:solidFill>
+                  <a:schemeClr val="accent1"/>
+                </a:solidFill>
+              </a:rPr>
+              <a:t>T - </a:t>
+            </a:r>
+            <a:r>
+              <a:rPr lang="en-US" altLang="zh-CN" dirty="0">
+                <a:solidFill>
+                  <a:schemeClr val="accent1"/>
+                </a:solidFill>
+              </a:rPr>
+              <a:t>Top </a:t>
+            </a:r>
+            <a:r>
+              <a:rPr lang="zh-CN" altLang="en-US" dirty="0">
+                <a:solidFill>
+                  <a:schemeClr val="accent1"/>
+                </a:solidFill>
+              </a:rPr>
+              <a:t>最高</a:t>
+            </a:r>
+          </a:p>
+          <a:p>
+            <a:r>
+              <a:rPr lang="en-US" altLang="zh-CN" b="1" dirty="0">
+                <a:solidFill>
+                  <a:schemeClr val="accent1"/>
+                </a:solidFill>
+              </a:rPr>
+              <a:t>H - </a:t>
+            </a:r>
+            <a:r>
+              <a:rPr lang="en-US" altLang="zh-CN" dirty="0">
+                <a:solidFill>
+                  <a:schemeClr val="accent1"/>
+                </a:solidFill>
+              </a:rPr>
+              <a:t>High </a:t>
+            </a:r>
+            <a:r>
+              <a:rPr lang="zh-CN" altLang="en-US" dirty="0">
+                <a:solidFill>
+                  <a:schemeClr val="accent1"/>
+                </a:solidFill>
+              </a:rPr>
+              <a:t>高</a:t>
+            </a:r>
+          </a:p>
+          <a:p>
+            <a:r>
+              <a:rPr lang="en-US" altLang="zh-CN" b="1" dirty="0">
+                <a:solidFill>
+                  <a:schemeClr val="accent1"/>
+                </a:solidFill>
+              </a:rPr>
+              <a:t>M - </a:t>
+            </a:r>
+            <a:r>
+              <a:rPr lang="en-US" altLang="zh-CN" dirty="0">
+                <a:solidFill>
+                  <a:schemeClr val="accent1"/>
+                </a:solidFill>
+              </a:rPr>
+              <a:t>Medium </a:t>
+            </a:r>
+            <a:r>
+              <a:rPr lang="zh-CN" altLang="en-US" dirty="0">
+                <a:solidFill>
+                  <a:schemeClr val="accent1"/>
+                </a:solidFill>
+              </a:rPr>
+              <a:t>中等</a:t>
+            </a:r>
+          </a:p>
+          <a:p>
+            <a:r>
+              <a:rPr lang="en-US" altLang="zh-CN" b="1" dirty="0">
+                <a:solidFill>
+                  <a:schemeClr val="accent1"/>
+                </a:solidFill>
+              </a:rPr>
+              <a:t>L - </a:t>
+            </a:r>
+            <a:r>
+              <a:rPr lang="en-US" altLang="zh-CN" dirty="0">
+                <a:solidFill>
+                  <a:schemeClr val="accent1"/>
+                </a:solidFill>
+              </a:rPr>
+              <a:t>Low </a:t>
+            </a:r>
+            <a:r>
+              <a:rPr lang="zh-CN" altLang="en-US" dirty="0">
+                <a:solidFill>
+                  <a:schemeClr val="accent1"/>
+                </a:solidFill>
+              </a:rPr>
+              <a:t>低</a:t>
+            </a:r>
+          </a:p>
+          <a:p>
+            <a:r>
+              <a:rPr lang="en-US" altLang="zh-CN" b="1" dirty="0">
+                <a:solidFill>
+                  <a:schemeClr val="accent1"/>
+                </a:solidFill>
+              </a:rPr>
+              <a:t>O - </a:t>
+            </a:r>
+            <a:r>
+              <a:rPr lang="en-US" altLang="zh-CN" dirty="0">
+                <a:solidFill>
+                  <a:schemeClr val="accent1"/>
+                </a:solidFill>
+              </a:rPr>
+              <a:t>Optional </a:t>
+            </a:r>
+            <a:r>
+              <a:rPr lang="zh-CN" altLang="en-US" dirty="0">
+                <a:solidFill>
+                  <a:schemeClr val="accent1"/>
+                </a:solidFill>
+              </a:rPr>
+              <a:t>可选</a:t>
+            </a:r>
+            <a:endParaRPr lang="en-US" altLang="zh-CN" dirty="0">
+              <a:solidFill>
+                <a:schemeClr val="accent1"/>
+              </a:solidFill>
+            </a:endParaRPr>
+          </a:p>
+          <a:p>
+            <a:endParaRPr lang="en-US" altLang="zh-CN" b="1" dirty="0">
+              <a:solidFill>
+                <a:schemeClr val="accent1"/>
+              </a:solidFill>
+            </a:endParaRPr>
+          </a:p>
+          <a:p>
+            <a:r>
+              <a:rPr lang="zh-CN" altLang="en-US" dirty="0">
+                <a:solidFill>
+                  <a:schemeClr val="accent1"/>
+                </a:solidFill>
+                <a:latin typeface="+mn-ea"/>
+              </a:rPr>
+              <a:t>以下是我们</a:t>
+            </a:r>
+            <a:r>
+              <a:rPr lang="zh-CN" altLang="en-US" dirty="0">
+                <a:solidFill>
+                  <a:schemeClr val="accent1"/>
+                </a:solidFill>
+                <a:latin typeface="+mj-ea"/>
+                <a:ea typeface="+mj-ea"/>
+              </a:rPr>
+              <a:t>已经实现</a:t>
+            </a:r>
+            <a:r>
+              <a:rPr lang="zh-CN" altLang="en-US" dirty="0">
+                <a:solidFill>
+                  <a:schemeClr val="accent1"/>
+                </a:solidFill>
+                <a:latin typeface="+mn-ea"/>
+              </a:rPr>
+              <a:t>的功能列表。</a:t>
+            </a:r>
           </a:p>
         </p:txBody>
       </p:sp>
     </p:spTree>
     <p:extLst>
       <p:ext uri="{BB962C8B-B14F-4D97-AF65-F5344CB8AC3E}">
-        <p14:creationId xmlns:p14="http://schemas.microsoft.com/office/powerpoint/2010/main" val="1639913049"/>
+        <p14:creationId xmlns:p14="http://schemas.microsoft.com/office/powerpoint/2010/main" val="3448467691"/>
       </p:ext>
     </p:extLst>
   </p:cSld>
   <p:clrMapOvr>
     <a:masterClrMapping/>
   </p:clrMapOvr>
+  <mc:AlternateContent xmlns:mc="http://schemas.openxmlformats.org/markup-compatibility/2006">
+    <mc:Choice xmlns:p159="http://schemas.microsoft.com/office/powerpoint/2015/09/main" Requires="p159">
+      <p:transition spd="slow">
+        <p159:morph option="byObject"/>
+      </p:transition>
+    </mc:Choice>
+    <mc:Fallback>
+      <p:transition spd="slow">
+        <p:fade/>
+      </p:transition>
+    </mc:Fallback>
+  </mc:AlternateContent>
 </p:sld>
 </file>
 
@@ -5526,7 +7181,7 @@
           <a:p>
             <a:r>
               <a:rPr lang="zh-CN" altLang="en-US" dirty="0"/>
-              <a:t>应用部署</a:t>
+              <a:t>应用测试</a:t>
             </a:r>
           </a:p>
         </p:txBody>
@@ -5554,46 +7209,86 @@
           </a:bodyPr>
           <a:lstStyle/>
           <a:p>
-            <a:pPr marL="0" indent="0">
-              <a:buNone/>
-            </a:pPr>
             <a:r>
               <a:rPr lang="zh-CN" altLang="en-US" dirty="0"/>
-              <a:t>应用部署情况：</a:t>
+              <a:t>测试工具：</a:t>
+            </a:r>
+            <a:r>
+              <a:rPr lang="en-US" altLang="zh-CN" dirty="0"/>
+              <a:t>Junit </a:t>
+            </a:r>
+            <a:r>
+              <a:rPr lang="zh-CN" altLang="en-US" dirty="0"/>
+              <a:t>（前后端）</a:t>
             </a:r>
             <a:endParaRPr lang="en-US" altLang="zh-CN" dirty="0"/>
           </a:p>
           <a:p>
+            <a:r>
+              <a:rPr lang="zh-CN" altLang="en-US" dirty="0"/>
+              <a:t>主要测试对象：</a:t>
+            </a:r>
             <a:endParaRPr lang="en-US" altLang="zh-CN" dirty="0"/>
           </a:p>
           <a:p>
+            <a:pPr lvl="1"/>
             <a:r>
               <a:rPr lang="zh-CN" altLang="en-US" dirty="0"/>
-              <a:t>应用已部署于</a:t>
-            </a:r>
-            <a:r>
-              <a:rPr lang="en-US" altLang="zh-CN" dirty="0"/>
-              <a:t>tomcat</a:t>
-            </a:r>
-          </a:p>
-          <a:p>
+              <a:t>工具类</a:t>
+            </a:r>
+            <a:endParaRPr lang="en-US" altLang="zh-CN" dirty="0"/>
+          </a:p>
+          <a:p>
+            <a:pPr lvl="1"/>
             <a:r>
               <a:rPr lang="zh-CN" altLang="en-US" dirty="0"/>
-              <a:t>客户端已经打包签名</a:t>
-            </a:r>
+              <a:t>数据库连接</a:t>
+            </a:r>
+            <a:endParaRPr lang="en-US" altLang="zh-CN" dirty="0"/>
+          </a:p>
+          <a:p>
+            <a:pPr lvl="1"/>
+            <a:r>
+              <a:rPr lang="zh-CN" altLang="en-US" dirty="0"/>
+              <a:t>序列化</a:t>
+            </a:r>
+            <a:endParaRPr lang="en-US" altLang="zh-CN" dirty="0"/>
+          </a:p>
+          <a:p>
+            <a:pPr lvl="1"/>
+            <a:r>
+              <a:rPr lang="zh-CN" altLang="en-US" dirty="0"/>
+              <a:t>邀请码链接</a:t>
+            </a:r>
+            <a:endParaRPr lang="en-US" altLang="zh-CN" dirty="0"/>
+          </a:p>
+          <a:p>
+            <a:endParaRPr lang="zh-CN" altLang="en-US" dirty="0"/>
           </a:p>
         </p:txBody>
       </p:sp>
     </p:spTree>
     <p:extLst>
       <p:ext uri="{BB962C8B-B14F-4D97-AF65-F5344CB8AC3E}">
-        <p14:creationId xmlns:p14="http://schemas.microsoft.com/office/powerpoint/2010/main" val="2056445577"/>
+        <p14:creationId xmlns:p14="http://schemas.microsoft.com/office/powerpoint/2010/main" val="3732933352"/>
       </p:ext>
     </p:extLst>
   </p:cSld>
   <p:clrMapOvr>
     <a:masterClrMapping/>
   </p:clrMapOvr>
+  <mc:AlternateContent xmlns:mc="http://schemas.openxmlformats.org/markup-compatibility/2006">
+    <mc:Choice xmlns:p159="http://schemas.microsoft.com/office/powerpoint/2015/09/main" Requires="p159">
+      <p:transition spd="slow">
+        <p159:morph option="byObject"/>
+      </p:transition>
+    </mc:Choice>
+    <mc:Fallback>
+      <p:transition spd="slow">
+        <p:fade/>
+      </p:transition>
+    </mc:Fallback>
+  </mc:AlternateContent>
 </p:sld>
 </file>
 
@@ -5637,6 +7332,443 @@
           <a:p>
             <a:r>
               <a:rPr lang="zh-CN" altLang="en-US" dirty="0"/>
+              <a:t>应用性能和可用性分析</a:t>
+            </a:r>
+          </a:p>
+        </p:txBody>
+      </p:sp>
+      <p:sp>
+        <p:nvSpPr>
+          <p:cNvPr id="3" name="内容占位符 2">
+            <a:extLst>
+              <a:ext uri="{FF2B5EF4-FFF2-40B4-BE49-F238E27FC236}">
+                <a16:creationId xmlns:a16="http://schemas.microsoft.com/office/drawing/2014/main" id="{16D316DA-E6AA-4C36-AB4A-66E0AE713FA6}"/>
+              </a:ext>
+            </a:extLst>
+          </p:cNvPr>
+          <p:cNvSpPr>
+            <a:spLocks noGrp="1"/>
+          </p:cNvSpPr>
+          <p:nvPr>
+            <p:ph idx="1"/>
+          </p:nvPr>
+        </p:nvSpPr>
+        <p:spPr/>
+        <p:txBody>
+          <a:bodyPr>
+            <a:normAutofit/>
+          </a:bodyPr>
+          <a:lstStyle/>
+          <a:p>
+            <a:r>
+              <a:rPr lang="en-US" altLang="zh-CN" sz="2400" dirty="0"/>
+              <a:t>1</a:t>
+            </a:r>
+            <a:r>
+              <a:rPr lang="zh-CN" altLang="en-US" sz="2400" dirty="0"/>
+              <a:t>、可用性分析：我们通过以下几个方面来看：</a:t>
+            </a:r>
+          </a:p>
+          <a:p>
+            <a:r>
+              <a:rPr lang="en-US" altLang="zh-CN" sz="2400" dirty="0"/>
+              <a:t>1</a:t>
+            </a:r>
+            <a:r>
+              <a:rPr lang="zh-CN" altLang="en-US" sz="2400" dirty="0"/>
+              <a:t>、易学性和易记性：在开发过程中，我们考虑到了新用户，通过言简意赅的设计，可以使新用户很快学会有效的完成一些基本操作；当然老用户也可以很容易的记得如何再次有效利用，而不必重新学习所有的东西。</a:t>
+            </a:r>
+          </a:p>
+          <a:p>
+            <a:r>
+              <a:rPr lang="en-US" altLang="zh-CN" sz="2400" dirty="0"/>
+              <a:t>2</a:t>
+            </a:r>
+            <a:r>
+              <a:rPr lang="zh-CN" altLang="en-US" sz="2400" dirty="0"/>
+              <a:t>、有效性：可以帮助用户准确找到所要的信息，使得用户完整地找到自己所要的信息或实现特定的目的。</a:t>
+            </a:r>
+          </a:p>
+          <a:p>
+            <a:r>
+              <a:rPr lang="en-US" altLang="zh-CN" sz="2400" dirty="0"/>
+              <a:t>3</a:t>
+            </a:r>
+            <a:r>
+              <a:rPr lang="zh-CN" altLang="en-US" sz="2400" dirty="0"/>
+              <a:t>、效率：可以较快的使用户完成任务。</a:t>
+            </a:r>
+          </a:p>
+          <a:p>
+            <a:r>
+              <a:rPr lang="en-US" altLang="zh-CN" sz="2400" dirty="0"/>
+              <a:t>2</a:t>
+            </a:r>
+            <a:r>
+              <a:rPr lang="zh-CN" altLang="en-US" sz="2400" dirty="0"/>
+              <a:t>、性能分析：我们通过对应用响应时间、吞吐量、用户并发数量等一些指标的分析，应用基本性能较好，但仍有上升空间。</a:t>
+            </a:r>
+          </a:p>
+          <a:p>
+            <a:r>
+              <a:rPr lang="en-US" altLang="zh-CN" sz="2400" dirty="0"/>
+              <a:t>3</a:t>
+            </a:r>
+            <a:r>
+              <a:rPr lang="zh-CN" altLang="en-US" sz="2400" dirty="0"/>
+              <a:t>、通过以上关于应用可用性与性能的分析，基本情况较好，但可以通过优化数据库、优化程序等方式去完善和提升应用的可用性与性能。</a:t>
+            </a:r>
+          </a:p>
+          <a:p>
+            <a:endParaRPr lang="zh-CN" altLang="en-US" sz="2000" dirty="0"/>
+          </a:p>
+        </p:txBody>
+      </p:sp>
+    </p:spTree>
+    <p:extLst>
+      <p:ext uri="{BB962C8B-B14F-4D97-AF65-F5344CB8AC3E}">
+        <p14:creationId xmlns:p14="http://schemas.microsoft.com/office/powerpoint/2010/main" val="1639913049"/>
+      </p:ext>
+    </p:extLst>
+  </p:cSld>
+  <p:clrMapOvr>
+    <a:masterClrMapping/>
+  </p:clrMapOvr>
+  <mc:AlternateContent xmlns:mc="http://schemas.openxmlformats.org/markup-compatibility/2006">
+    <mc:Choice xmlns:p159="http://schemas.microsoft.com/office/powerpoint/2015/09/main" Requires="p159">
+      <p:transition spd="slow">
+        <p159:morph option="byObject"/>
+      </p:transition>
+    </mc:Choice>
+    <mc:Fallback>
+      <p:transition spd="slow">
+        <p:fade/>
+      </p:transition>
+    </mc:Fallback>
+  </mc:AlternateContent>
+</p:sld>
+</file>
+
+<file path=ppt/slides/slide15.xml><?xml version="1.0" encoding="utf-8"?>
+<p:sld xmlns:a="http://schemas.openxmlformats.org/drawingml/2006/main" xmlns:r="http://schemas.openxmlformats.org/officeDocument/2006/relationships" xmlns:p="http://schemas.openxmlformats.org/presentationml/2006/main">
+  <p:cSld>
+    <p:spTree>
+      <p:nvGrpSpPr>
+        <p:cNvPr id="1" name=""/>
+        <p:cNvGrpSpPr/>
+        <p:nvPr/>
+      </p:nvGrpSpPr>
+      <p:grpSpPr>
+        <a:xfrm>
+          <a:off x="0" y="0"/>
+          <a:ext cx="0" cy="0"/>
+          <a:chOff x="0" y="0"/>
+          <a:chExt cx="0" cy="0"/>
+        </a:xfrm>
+      </p:grpSpPr>
+      <p:sp>
+        <p:nvSpPr>
+          <p:cNvPr id="2" name="标题 1">
+            <a:extLst>
+              <a:ext uri="{FF2B5EF4-FFF2-40B4-BE49-F238E27FC236}">
+                <a16:creationId xmlns:a16="http://schemas.microsoft.com/office/drawing/2014/main" id="{CA14EBBD-5DD8-4A17-BD10-CC97309D4E00}"/>
+              </a:ext>
+            </a:extLst>
+          </p:cNvPr>
+          <p:cNvSpPr>
+            <a:spLocks noGrp="1"/>
+          </p:cNvSpPr>
+          <p:nvPr>
+            <p:ph type="title"/>
+          </p:nvPr>
+        </p:nvSpPr>
+        <p:spPr/>
+        <p:txBody>
+          <a:bodyPr/>
+          <a:lstStyle/>
+          <a:p>
+            <a:r>
+              <a:rPr lang="zh-CN" altLang="en-US" dirty="0"/>
+              <a:t>安全性与性能</a:t>
+            </a:r>
+          </a:p>
+        </p:txBody>
+      </p:sp>
+      <p:sp>
+        <p:nvSpPr>
+          <p:cNvPr id="3" name="内容占位符 2">
+            <a:extLst>
+              <a:ext uri="{FF2B5EF4-FFF2-40B4-BE49-F238E27FC236}">
+                <a16:creationId xmlns:a16="http://schemas.microsoft.com/office/drawing/2014/main" id="{D14E59EF-5642-4050-B069-F916381E0B98}"/>
+              </a:ext>
+            </a:extLst>
+          </p:cNvPr>
+          <p:cNvSpPr>
+            <a:spLocks noGrp="1"/>
+          </p:cNvSpPr>
+          <p:nvPr>
+            <p:ph idx="1"/>
+          </p:nvPr>
+        </p:nvSpPr>
+        <p:spPr/>
+        <p:txBody>
+          <a:bodyPr/>
+          <a:lstStyle/>
+          <a:p>
+            <a:r>
+              <a:rPr lang="zh-CN" altLang="en-US" dirty="0"/>
+              <a:t>为了保证良好的安全性，后端在每次处理操作时都会验证操作是否合法。</a:t>
+            </a:r>
+            <a:endParaRPr lang="en-US" altLang="zh-CN" dirty="0"/>
+          </a:p>
+          <a:p>
+            <a:pPr lvl="1"/>
+            <a:r>
+              <a:rPr lang="zh-CN" altLang="en-US" dirty="0"/>
+              <a:t>包括验证用户是否处于对应的用户组，以及登录是否还有效</a:t>
+            </a:r>
+            <a:endParaRPr lang="en-US" altLang="zh-CN" dirty="0"/>
+          </a:p>
+          <a:p>
+            <a:pPr lvl="1"/>
+            <a:r>
+              <a:rPr lang="zh-CN" altLang="en-US" dirty="0"/>
+              <a:t>工作组拥有唯一的组长，只有组长能够进行删除用户组、更改用户组名称等敏感的操作。</a:t>
+            </a:r>
+            <a:endParaRPr lang="en-US" altLang="zh-CN" dirty="0"/>
+          </a:p>
+          <a:p>
+            <a:pPr lvl="1"/>
+            <a:r>
+              <a:rPr lang="zh-CN" altLang="en-US" dirty="0"/>
+              <a:t>组长身份可以自愿转移</a:t>
+            </a:r>
+            <a:endParaRPr lang="en-US" altLang="zh-CN" dirty="0"/>
+          </a:p>
+          <a:p>
+            <a:r>
+              <a:rPr lang="zh-CN" altLang="en-US" dirty="0"/>
+              <a:t>通过良好的数据库结构，懒加载等机制来提升后端性能</a:t>
+            </a:r>
+            <a:endParaRPr lang="en-US" altLang="zh-CN" dirty="0"/>
+          </a:p>
+          <a:p>
+            <a:r>
+              <a:rPr lang="zh-CN" altLang="en-US" dirty="0"/>
+              <a:t>通过异步操作，分离文本请求和图片请求以及缓存等机制提升客户端性能</a:t>
+            </a:r>
+            <a:endParaRPr lang="en-US" altLang="zh-CN" dirty="0"/>
+          </a:p>
+          <a:p>
+            <a:r>
+              <a:rPr lang="zh-CN" altLang="en-US" dirty="0"/>
+              <a:t>使用</a:t>
+            </a:r>
+            <a:r>
+              <a:rPr lang="en-US" altLang="zh-CN" dirty="0"/>
+              <a:t>UUID</a:t>
+            </a:r>
+            <a:r>
+              <a:rPr lang="zh-CN" altLang="en-US" dirty="0"/>
+              <a:t>作为主键以确保可移植性</a:t>
+            </a:r>
+            <a:endParaRPr lang="en-US" altLang="zh-CN" dirty="0"/>
+          </a:p>
+        </p:txBody>
+      </p:sp>
+    </p:spTree>
+    <p:extLst>
+      <p:ext uri="{BB962C8B-B14F-4D97-AF65-F5344CB8AC3E}">
+        <p14:creationId xmlns:p14="http://schemas.microsoft.com/office/powerpoint/2010/main" val="2177510985"/>
+      </p:ext>
+    </p:extLst>
+  </p:cSld>
+  <p:clrMapOvr>
+    <a:masterClrMapping/>
+  </p:clrMapOvr>
+  <mc:AlternateContent xmlns:mc="http://schemas.openxmlformats.org/markup-compatibility/2006">
+    <mc:Choice xmlns:p159="http://schemas.microsoft.com/office/powerpoint/2015/09/main" Requires="p159">
+      <p:transition spd="slow">
+        <p159:morph option="byObject"/>
+      </p:transition>
+    </mc:Choice>
+    <mc:Fallback>
+      <p:transition spd="slow">
+        <p:fade/>
+      </p:transition>
+    </mc:Fallback>
+  </mc:AlternateContent>
+</p:sld>
+</file>
+
+<file path=ppt/slides/slide16.xml><?xml version="1.0" encoding="utf-8"?>
+<p:sld xmlns:a="http://schemas.openxmlformats.org/drawingml/2006/main" xmlns:r="http://schemas.openxmlformats.org/officeDocument/2006/relationships" xmlns:p="http://schemas.openxmlformats.org/presentationml/2006/main">
+  <p:cSld>
+    <p:spTree>
+      <p:nvGrpSpPr>
+        <p:cNvPr id="1" name=""/>
+        <p:cNvGrpSpPr/>
+        <p:nvPr/>
+      </p:nvGrpSpPr>
+      <p:grpSpPr>
+        <a:xfrm>
+          <a:off x="0" y="0"/>
+          <a:ext cx="0" cy="0"/>
+          <a:chOff x="0" y="0"/>
+          <a:chExt cx="0" cy="0"/>
+        </a:xfrm>
+      </p:grpSpPr>
+      <p:sp>
+        <p:nvSpPr>
+          <p:cNvPr id="2" name="标题 1">
+            <a:extLst>
+              <a:ext uri="{FF2B5EF4-FFF2-40B4-BE49-F238E27FC236}">
+                <a16:creationId xmlns:a16="http://schemas.microsoft.com/office/drawing/2014/main" id="{CC440291-7E9E-401D-9F26-1292DE1D420D}"/>
+              </a:ext>
+            </a:extLst>
+          </p:cNvPr>
+          <p:cNvSpPr>
+            <a:spLocks noGrp="1"/>
+          </p:cNvSpPr>
+          <p:nvPr>
+            <p:ph type="title"/>
+          </p:nvPr>
+        </p:nvSpPr>
+        <p:spPr/>
+        <p:txBody>
+          <a:bodyPr/>
+          <a:lstStyle/>
+          <a:p>
+            <a:r>
+              <a:rPr lang="zh-CN" altLang="en-US" dirty="0"/>
+              <a:t>应用部署</a:t>
+            </a:r>
+          </a:p>
+        </p:txBody>
+      </p:sp>
+      <p:sp>
+        <p:nvSpPr>
+          <p:cNvPr id="3" name="内容占位符 2">
+            <a:extLst>
+              <a:ext uri="{FF2B5EF4-FFF2-40B4-BE49-F238E27FC236}">
+                <a16:creationId xmlns:a16="http://schemas.microsoft.com/office/drawing/2014/main" id="{16D316DA-E6AA-4C36-AB4A-66E0AE713FA6}"/>
+              </a:ext>
+            </a:extLst>
+          </p:cNvPr>
+          <p:cNvSpPr>
+            <a:spLocks noGrp="1"/>
+          </p:cNvSpPr>
+          <p:nvPr>
+            <p:ph idx="1"/>
+          </p:nvPr>
+        </p:nvSpPr>
+        <p:spPr/>
+        <p:txBody>
+          <a:bodyPr>
+            <a:normAutofit/>
+          </a:bodyPr>
+          <a:lstStyle/>
+          <a:p>
+            <a:pPr marL="0" indent="0">
+              <a:buNone/>
+            </a:pPr>
+            <a:r>
+              <a:rPr lang="zh-CN" altLang="en-US" dirty="0"/>
+              <a:t>应用部署情况：</a:t>
+            </a:r>
+            <a:endParaRPr lang="en-US" altLang="zh-CN" dirty="0"/>
+          </a:p>
+          <a:p>
+            <a:endParaRPr lang="en-US" altLang="zh-CN" dirty="0"/>
+          </a:p>
+          <a:p>
+            <a:r>
+              <a:rPr lang="zh-CN" altLang="en-US" dirty="0"/>
+              <a:t>应用已部署于</a:t>
+            </a:r>
+            <a:r>
+              <a:rPr lang="en-US" altLang="zh-CN" dirty="0"/>
+              <a:t>tomcat</a:t>
+            </a:r>
+            <a:r>
+              <a:rPr lang="zh-CN" altLang="en-US" dirty="0"/>
+              <a:t>，已稳定运行数天</a:t>
+            </a:r>
+            <a:endParaRPr lang="en-US" altLang="zh-CN" dirty="0"/>
+          </a:p>
+          <a:p>
+            <a:r>
+              <a:rPr lang="zh-CN" altLang="en-US" dirty="0"/>
+              <a:t>客户端已经打包签名</a:t>
+            </a:r>
+          </a:p>
+        </p:txBody>
+      </p:sp>
+    </p:spTree>
+    <p:extLst>
+      <p:ext uri="{BB962C8B-B14F-4D97-AF65-F5344CB8AC3E}">
+        <p14:creationId xmlns:p14="http://schemas.microsoft.com/office/powerpoint/2010/main" val="2056445577"/>
+      </p:ext>
+    </p:extLst>
+  </p:cSld>
+  <p:clrMapOvr>
+    <a:masterClrMapping/>
+  </p:clrMapOvr>
+  <mc:AlternateContent xmlns:mc="http://schemas.openxmlformats.org/markup-compatibility/2006">
+    <mc:Choice xmlns:p159="http://schemas.microsoft.com/office/powerpoint/2015/09/main" Requires="p159">
+      <p:transition spd="slow">
+        <p159:morph option="byObject"/>
+      </p:transition>
+    </mc:Choice>
+    <mc:Fallback>
+      <p:transition spd="slow">
+        <p:fade/>
+      </p:transition>
+    </mc:Fallback>
+  </mc:AlternateContent>
+</p:sld>
+</file>
+
+<file path=ppt/slides/slide17.xml><?xml version="1.0" encoding="utf-8"?>
+<p:sld xmlns:a="http://schemas.openxmlformats.org/drawingml/2006/main" xmlns:r="http://schemas.openxmlformats.org/officeDocument/2006/relationships" xmlns:p="http://schemas.openxmlformats.org/presentationml/2006/main">
+  <p:cSld>
+    <p:spTree>
+      <p:nvGrpSpPr>
+        <p:cNvPr id="1" name=""/>
+        <p:cNvGrpSpPr/>
+        <p:nvPr/>
+      </p:nvGrpSpPr>
+      <p:grpSpPr>
+        <a:xfrm>
+          <a:off x="0" y="0"/>
+          <a:ext cx="0" cy="0"/>
+          <a:chOff x="0" y="0"/>
+          <a:chExt cx="0" cy="0"/>
+        </a:xfrm>
+      </p:grpSpPr>
+      <p:sp>
+        <p:nvSpPr>
+          <p:cNvPr id="2" name="标题 1">
+            <a:extLst>
+              <a:ext uri="{FF2B5EF4-FFF2-40B4-BE49-F238E27FC236}">
+                <a16:creationId xmlns:a16="http://schemas.microsoft.com/office/drawing/2014/main" id="{CC440291-7E9E-401D-9F26-1292DE1D420D}"/>
+              </a:ext>
+            </a:extLst>
+          </p:cNvPr>
+          <p:cNvSpPr>
+            <a:spLocks noGrp="1"/>
+          </p:cNvSpPr>
+          <p:nvPr>
+            <p:ph type="title"/>
+          </p:nvPr>
+        </p:nvSpPr>
+        <p:spPr/>
+        <p:txBody>
+          <a:bodyPr/>
+          <a:lstStyle/>
+          <a:p>
+            <a:r>
+              <a:rPr lang="zh-CN" altLang="en-US" dirty="0"/>
               <a:t>应用演示</a:t>
             </a:r>
           </a:p>
@@ -5685,10 +7817,22 @@
   <p:clrMapOvr>
     <a:masterClrMapping/>
   </p:clrMapOvr>
+  <mc:AlternateContent xmlns:mc="http://schemas.openxmlformats.org/markup-compatibility/2006">
+    <mc:Choice xmlns:p159="http://schemas.microsoft.com/office/powerpoint/2015/09/main" Requires="p159">
+      <p:transition spd="slow">
+        <p159:morph option="byObject"/>
+      </p:transition>
+    </mc:Choice>
+    <mc:Fallback>
+      <p:transition spd="slow">
+        <p:fade/>
+      </p:transition>
+    </mc:Fallback>
+  </mc:AlternateContent>
 </p:sld>
 </file>
 
-<file path=ppt/slides/slide15.xml><?xml version="1.0" encoding="utf-8"?>
+<file path=ppt/slides/slide18.xml><?xml version="1.0" encoding="utf-8"?>
 <p:sld xmlns:a="http://schemas.openxmlformats.org/drawingml/2006/main" xmlns:r="http://schemas.openxmlformats.org/officeDocument/2006/relationships" xmlns:p="http://schemas.openxmlformats.org/presentationml/2006/main">
   <p:cSld>
     <p:spTree>
@@ -6962,6 +9106,18 @@
   <p:clrMapOvr>
     <a:masterClrMapping/>
   </p:clrMapOvr>
+  <mc:AlternateContent xmlns:mc="http://schemas.openxmlformats.org/markup-compatibility/2006">
+    <mc:Choice xmlns:p159="http://schemas.microsoft.com/office/powerpoint/2015/09/main" Requires="p159">
+      <p:transition spd="slow">
+        <p159:morph option="byObject"/>
+      </p:transition>
+    </mc:Choice>
+    <mc:Fallback>
+      <p:transition spd="slow">
+        <p:fade/>
+      </p:transition>
+    </mc:Fallback>
+  </mc:AlternateContent>
 </p:sld>
 </file>
 
@@ -7122,6 +9278,18 @@
   <p:clrMapOvr>
     <a:masterClrMapping/>
   </p:clrMapOvr>
+  <mc:AlternateContent xmlns:mc="http://schemas.openxmlformats.org/markup-compatibility/2006">
+    <mc:Choice xmlns:p159="http://schemas.microsoft.com/office/powerpoint/2015/09/main" Requires="p159">
+      <p:transition spd="slow">
+        <p159:morph option="byObject"/>
+      </p:transition>
+    </mc:Choice>
+    <mc:Fallback>
+      <p:transition spd="slow">
+        <p:fade/>
+      </p:transition>
+    </mc:Fallback>
+  </mc:AlternateContent>
 </p:sld>
 </file>
 
@@ -7227,6 +9395,18 @@
   <p:clrMapOvr>
     <a:masterClrMapping/>
   </p:clrMapOvr>
+  <mc:AlternateContent xmlns:mc="http://schemas.openxmlformats.org/markup-compatibility/2006">
+    <mc:Choice xmlns:p159="http://schemas.microsoft.com/office/powerpoint/2015/09/main" Requires="p159">
+      <p:transition spd="slow">
+        <p159:morph option="byObject"/>
+      </p:transition>
+    </mc:Choice>
+    <mc:Fallback>
+      <p:transition spd="slow">
+        <p:fade/>
+      </p:transition>
+    </mc:Fallback>
+  </mc:AlternateContent>
 </p:sld>
 </file>
 
@@ -7433,6 +9613,18 @@
   <p:clrMapOvr>
     <a:masterClrMapping/>
   </p:clrMapOvr>
+  <mc:AlternateContent xmlns:mc="http://schemas.openxmlformats.org/markup-compatibility/2006">
+    <mc:Choice xmlns:p159="http://schemas.microsoft.com/office/powerpoint/2015/09/main" Requires="p159">
+      <p:transition spd="slow">
+        <p159:morph option="byObject"/>
+      </p:transition>
+    </mc:Choice>
+    <mc:Fallback>
+      <p:transition spd="slow">
+        <p:fade/>
+      </p:transition>
+    </mc:Fallback>
+  </mc:AlternateContent>
 </p:sld>
 </file>
 
@@ -7542,6 +9734,28 @@
               </a:rPr>
               <a:t>国际化：客户端支持多语言</a:t>
             </a:r>
+            <a:endParaRPr lang="en-US" altLang="zh-CN" sz="2400" dirty="0">
+              <a:latin typeface="+mn-ea"/>
+            </a:endParaRPr>
+          </a:p>
+          <a:p>
+            <a:r>
+              <a:rPr lang="zh-CN" altLang="en-US" sz="2400" dirty="0">
+                <a:latin typeface="+mn-ea"/>
+              </a:rPr>
+              <a:t>提供较多的设置项，所有名称都支持修改（用户名、待办事项名称等）</a:t>
+            </a:r>
+            <a:endParaRPr lang="en-US" altLang="zh-CN" sz="2400" dirty="0">
+              <a:latin typeface="+mn-ea"/>
+            </a:endParaRPr>
+          </a:p>
+          <a:p>
+            <a:r>
+              <a:rPr lang="zh-CN" altLang="en-US" sz="2400" dirty="0">
+                <a:latin typeface="+mn-ea"/>
+              </a:rPr>
+              <a:t>界面美观，操作流畅，同时支持夜间模式即暗色主题（默认跟随系统设置）</a:t>
+            </a:r>
           </a:p>
         </p:txBody>
       </p:sp>
@@ -7555,6 +9769,18 @@
   <p:clrMapOvr>
     <a:masterClrMapping/>
   </p:clrMapOvr>
+  <mc:AlternateContent xmlns:mc="http://schemas.openxmlformats.org/markup-compatibility/2006">
+    <mc:Choice xmlns:p159="http://schemas.microsoft.com/office/powerpoint/2015/09/main" Requires="p159">
+      <p:transition spd="slow">
+        <p159:morph option="byObject"/>
+      </p:transition>
+    </mc:Choice>
+    <mc:Fallback>
+      <p:transition spd="slow">
+        <p:fade/>
+      </p:transition>
+    </mc:Fallback>
+  </mc:AlternateContent>
 </p:sld>
 </file>
 
@@ -7622,7 +9848,7 @@
         <p:spPr/>
         <p:txBody>
           <a:bodyPr>
-            <a:normAutofit lnSpcReduction="10000"/>
+            <a:normAutofit/>
           </a:bodyPr>
           <a:lstStyle/>
           <a:p>
@@ -7673,42 +9899,13 @@
               <a:rPr lang="zh-CN" altLang="en-US" sz="2400" dirty="0">
                 <a:latin typeface="+mn-ea"/>
               </a:rPr>
-              <a:t>设置视图：可以进行一些基本的设置，并且可以更改用户信息（头像、名称等）</a:t>
-            </a:r>
-            <a:endParaRPr lang="en-US" altLang="zh-CN" sz="2400" dirty="0">
-              <a:latin typeface="+mn-ea"/>
-            </a:endParaRPr>
-          </a:p>
-          <a:p>
-            <a:r>
-              <a:rPr lang="zh-CN" altLang="en-US" sz="2400" dirty="0">
+              <a:t>设置视图：可以进行一些基本的设置，并且可以更改用户信息（头像、名称</a:t>
+            </a:r>
+            <a:r>
+              <a:rPr lang="zh-CN" altLang="en-US" sz="2400">
                 <a:latin typeface="+mn-ea"/>
               </a:rPr>
-              <a:t>代码量：前后端共约</a:t>
-            </a:r>
-            <a:r>
-              <a:rPr lang="en-US" altLang="zh-CN" sz="2400" dirty="0">
-                <a:latin typeface="+mn-ea"/>
-              </a:rPr>
-              <a:t>15000</a:t>
-            </a:r>
-            <a:r>
-              <a:rPr lang="zh-CN" altLang="en-US" sz="2400" dirty="0">
-                <a:latin typeface="+mn-ea"/>
-              </a:rPr>
-              <a:t>行 （纯</a:t>
-            </a:r>
-            <a:r>
-              <a:rPr lang="en-US" altLang="zh-CN" sz="2400" dirty="0">
-                <a:latin typeface="+mn-ea"/>
-              </a:rPr>
-              <a:t>Kotlin</a:t>
-            </a:r>
-            <a:r>
-              <a:rPr lang="zh-CN" altLang="en-US" sz="2400" dirty="0">
-                <a:latin typeface="+mn-ea"/>
-              </a:rPr>
-              <a:t>）</a:t>
+              <a:t>等）</a:t>
             </a:r>
             <a:endParaRPr lang="en-US" altLang="zh-CN" sz="2400" dirty="0">
               <a:latin typeface="+mn-ea"/>
@@ -7726,6 +9923,18 @@
   <p:clrMapOvr>
     <a:masterClrMapping/>
   </p:clrMapOvr>
+  <mc:AlternateContent xmlns:mc="http://schemas.openxmlformats.org/markup-compatibility/2006">
+    <mc:Choice xmlns:p159="http://schemas.microsoft.com/office/powerpoint/2015/09/main" Requires="p159">
+      <p:transition spd="slow">
+        <p159:morph option="byObject"/>
+      </p:transition>
+    </mc:Choice>
+    <mc:Fallback>
+      <p:transition spd="slow">
+        <p:fade/>
+      </p:transition>
+    </mc:Fallback>
+  </mc:AlternateContent>
 </p:sld>
 </file>
 
@@ -7894,6 +10103,18 @@
   <p:clrMapOvr>
     <a:masterClrMapping/>
   </p:clrMapOvr>
+  <mc:AlternateContent xmlns:mc="http://schemas.openxmlformats.org/markup-compatibility/2006">
+    <mc:Choice xmlns:p159="http://schemas.microsoft.com/office/powerpoint/2015/09/main" Requires="p159">
+      <p:transition spd="slow">
+        <p159:morph option="byObject"/>
+      </p:transition>
+    </mc:Choice>
+    <mc:Fallback>
+      <p:transition spd="slow">
+        <p:fade/>
+      </p:transition>
+    </mc:Fallback>
+  </mc:AlternateContent>
 </p:sld>
 </file>
 
@@ -7974,21 +10195,6 @@
           <a:p>
             <a:r>
               <a:rPr lang="zh-CN" altLang="en-US" dirty="0"/>
-              <a:t>总体结构采用</a:t>
-            </a:r>
-            <a:r>
-              <a:rPr lang="en-US" altLang="zh-CN" dirty="0"/>
-              <a:t>C/S</a:t>
-            </a:r>
-            <a:r>
-              <a:rPr lang="zh-CN" altLang="en-US" dirty="0"/>
-              <a:t>模式。</a:t>
-            </a:r>
-            <a:endParaRPr lang="en-US" altLang="zh-CN" dirty="0"/>
-          </a:p>
-          <a:p>
-            <a:r>
-              <a:rPr lang="zh-CN" altLang="en-US" dirty="0"/>
               <a:t>前端：</a:t>
             </a:r>
             <a:r>
@@ -8023,15 +10229,7 @@
             </a:r>
             <a:r>
               <a:rPr lang="en-US" altLang="zh-CN" dirty="0" err="1"/>
-              <a:t>SharedPrefs</a:t>
-            </a:r>
-            <a:r>
-              <a:rPr lang="zh-CN" altLang="en-US" dirty="0"/>
-              <a:t>和</a:t>
-            </a:r>
-            <a:r>
-              <a:rPr lang="en-US" altLang="zh-CN" dirty="0"/>
-              <a:t>SQLite</a:t>
+              <a:t>SharedPreferences</a:t>
             </a:r>
             <a:r>
               <a:rPr lang="zh-CN" altLang="en-US" dirty="0"/>
@@ -8101,6 +10299,18 @@
   <p:clrMapOvr>
     <a:masterClrMapping/>
   </p:clrMapOvr>
+  <mc:AlternateContent xmlns:mc="http://schemas.openxmlformats.org/markup-compatibility/2006">
+    <mc:Choice xmlns:p159="http://schemas.microsoft.com/office/powerpoint/2015/09/main" Requires="p159">
+      <p:transition spd="slow">
+        <p159:morph option="byObject"/>
+      </p:transition>
+    </mc:Choice>
+    <mc:Fallback>
+      <p:transition spd="slow">
+        <p:fade/>
+      </p:transition>
+    </mc:Fallback>
+  </mc:AlternateContent>
 </p:sld>
 </file>
 
@@ -8203,6 +10413,18 @@
   <p:clrMapOvr>
     <a:masterClrMapping/>
   </p:clrMapOvr>
+  <mc:AlternateContent xmlns:mc="http://schemas.openxmlformats.org/markup-compatibility/2006">
+    <mc:Choice xmlns:p159="http://schemas.microsoft.com/office/powerpoint/2015/09/main" Requires="p159">
+      <p:transition spd="slow">
+        <p159:morph option="byObject"/>
+      </p:transition>
+    </mc:Choice>
+    <mc:Fallback>
+      <p:transition spd="slow">
+        <p:fade/>
+      </p:transition>
+    </mc:Fallback>
+  </mc:AlternateContent>
 </p:sld>
 </file>
 
